--- a/Notebooks/EngineeringNotebook/MS-PowerPoint-Files/tsWxGTUI_PyVx/UseCase_1_Sample_Screen_Shots.pptx
+++ b/Notebooks/EngineeringNotebook/MS-PowerPoint-Files/tsWxGTUI_PyVx/UseCase_1_Sample_Screen_Shots.pptx
@@ -292,7 +292,7 @@
               <a:pPr>
                 <a:defRPr/>
               </a:pPr>
-              <a:t>11/25/2015</a:t>
+              <a:t>12/23/2016</a:t>
             </a:fld>
             <a:endParaRPr lang="en-US"/>
           </a:p>
@@ -529,7 +529,7 @@
               <a:pPr>
                 <a:defRPr/>
               </a:pPr>
-              <a:t>11/25/2015</a:t>
+              <a:t>12/23/2016</a:t>
             </a:fld>
             <a:endParaRPr lang="en-US"/>
           </a:p>
@@ -601,35 +601,35 @@
           <a:p>
             <a:pPr lvl="0"/>
             <a:r>
-              <a:rPr lang="en-US" noProof="0" smtClean="0"/>
+              <a:rPr lang="en-US" noProof="0"/>
               <a:t>Click to edit Master text styles</a:t>
             </a:r>
           </a:p>
           <a:p>
             <a:pPr lvl="1"/>
             <a:r>
-              <a:rPr lang="en-US" noProof="0" smtClean="0"/>
+              <a:rPr lang="en-US" noProof="0"/>
               <a:t>Second level</a:t>
             </a:r>
           </a:p>
           <a:p>
             <a:pPr lvl="2"/>
             <a:r>
-              <a:rPr lang="en-US" noProof="0" smtClean="0"/>
+              <a:rPr lang="en-US" noProof="0"/>
               <a:t>Third level</a:t>
             </a:r>
           </a:p>
           <a:p>
             <a:pPr lvl="3"/>
             <a:r>
-              <a:rPr lang="en-US" noProof="0" smtClean="0"/>
+              <a:rPr lang="en-US" noProof="0"/>
               <a:t>Fourth level</a:t>
             </a:r>
           </a:p>
           <a:p>
             <a:pPr lvl="4"/>
             <a:r>
-              <a:rPr lang="en-US" noProof="0" smtClean="0"/>
+              <a:rPr lang="en-US" noProof="0"/>
               <a:t>Fifth level</a:t>
             </a:r>
           </a:p>
@@ -916,7 +916,7 @@
           <a:lstStyle/>
           <a:p>
             <a:pPr eaLnBrk="1" hangingPunct="1"/>
-            <a:endParaRPr lang="en-US" smtClean="0"/>
+            <a:endParaRPr lang="en-US"/>
           </a:p>
         </p:txBody>
       </p:sp>
@@ -983,7 +983,7 @@
           <a:lstStyle/>
           <a:p>
             <a:pPr eaLnBrk="1" hangingPunct="1"/>
-            <a:endParaRPr lang="en-US" smtClean="0"/>
+            <a:endParaRPr lang="en-US"/>
           </a:p>
         </p:txBody>
       </p:sp>
@@ -1050,7 +1050,7 @@
           <a:lstStyle/>
           <a:p>
             <a:pPr eaLnBrk="1" hangingPunct="1"/>
-            <a:endParaRPr lang="en-US" smtClean="0"/>
+            <a:endParaRPr lang="en-US"/>
           </a:p>
         </p:txBody>
       </p:sp>
@@ -1117,7 +1117,7 @@
           <a:lstStyle/>
           <a:p>
             <a:pPr eaLnBrk="1" hangingPunct="1"/>
-            <a:endParaRPr lang="en-US" smtClean="0"/>
+            <a:endParaRPr lang="en-US"/>
           </a:p>
         </p:txBody>
       </p:sp>
@@ -1576,7 +1576,7 @@
             </a:pPr>
             <a:fld id="{B5B52024-79AA-4062-8229-397D9E214550}" type="datetime1">
               <a:rPr lang="en-US" smtClean="0"/>
-              <a:t>11/25/2015</a:t>
+              <a:t>12/23/2016</a:t>
             </a:fld>
             <a:endParaRPr lang="en-US"/>
           </a:p>
@@ -1614,10 +1614,9 @@
               <a:defRPr/>
             </a:pPr>
             <a:r>
-              <a:rPr lang="en-US" dirty="0" smtClean="0"/>
+              <a:rPr lang="en-US" dirty="0"/>
               <a:t>TeamSTARS "tsWxGTUI_PyVx" Toolkit prepared &amp; presented by Richard S. Gordon</a:t>
             </a:r>
-            <a:endParaRPr lang="en-US" dirty="0"/>
           </a:p>
         </p:txBody>
       </p:sp>
@@ -1782,7 +1781,7 @@
             </a:pPr>
             <a:fld id="{5534B48B-48D4-4D1F-B98F-2ED8E1B04ED0}" type="datetime1">
               <a:rPr lang="en-US" smtClean="0"/>
-              <a:t>11/25/2015</a:t>
+              <a:t>12/23/2016</a:t>
             </a:fld>
             <a:endParaRPr lang="en-US"/>
           </a:p>
@@ -1813,10 +1812,9 @@
               <a:defRPr/>
             </a:pPr>
             <a:r>
-              <a:rPr lang="en-US" dirty="0" smtClean="0"/>
+              <a:rPr lang="en-US" dirty="0"/>
               <a:t>TeamSTARS "tsWxGTUI_PyVx" Toolkit prepared &amp; presented by Richard S. Gordon</a:t>
             </a:r>
-            <a:endParaRPr lang="en-US" dirty="0"/>
           </a:p>
         </p:txBody>
       </p:sp>
@@ -1984,7 +1982,7 @@
             </a:pPr>
             <a:fld id="{C3557E2B-7DD4-4DCF-9DDD-7786167218C6}" type="datetime1">
               <a:rPr lang="en-US" smtClean="0"/>
-              <a:t>11/25/2015</a:t>
+              <a:t>12/23/2016</a:t>
             </a:fld>
             <a:endParaRPr lang="en-US"/>
           </a:p>
@@ -2015,10 +2013,9 @@
               <a:defRPr/>
             </a:pPr>
             <a:r>
-              <a:rPr lang="en-US" dirty="0" smtClean="0"/>
+              <a:rPr lang="en-US" dirty="0"/>
               <a:t>TeamSTARS "tsWxGTUI_PyVx" Toolkit prepared &amp; presented by Richard S. Gordon</a:t>
             </a:r>
-            <a:endParaRPr lang="en-US" dirty="0"/>
           </a:p>
         </p:txBody>
       </p:sp>
@@ -2176,7 +2173,7 @@
             </a:pPr>
             <a:fld id="{65B11A62-63AA-4067-ACEB-AA6A42CE3A38}" type="datetime1">
               <a:rPr lang="en-US" smtClean="0"/>
-              <a:t>11/25/2015</a:t>
+              <a:t>12/23/2016</a:t>
             </a:fld>
             <a:endParaRPr lang="en-US"/>
           </a:p>
@@ -2207,10 +2204,9 @@
               <a:defRPr/>
             </a:pPr>
             <a:r>
-              <a:rPr lang="en-US" dirty="0" smtClean="0"/>
+              <a:rPr lang="en-US" dirty="0"/>
               <a:t>TeamSTARS "tsWxGTUI_PyVx" Toolkit prepared &amp; presented by Richard S. Gordon</a:t>
             </a:r>
-            <a:endParaRPr lang="en-US" dirty="0"/>
           </a:p>
         </p:txBody>
       </p:sp>
@@ -2391,7 +2387,7 @@
             </a:pPr>
             <a:fld id="{013FB6F9-CFEF-47AA-A08B-D90CED01DE9A}" type="datetime1">
               <a:rPr lang="en-US" smtClean="0"/>
-              <a:t>11/25/2015</a:t>
+              <a:t>12/23/2016</a:t>
             </a:fld>
             <a:endParaRPr lang="en-US"/>
           </a:p>
@@ -2422,10 +2418,9 @@
               <a:defRPr/>
             </a:pPr>
             <a:r>
-              <a:rPr lang="en-US" dirty="0" smtClean="0"/>
+              <a:rPr lang="en-US" dirty="0"/>
               <a:t>TeamSTARS "tsWxGTUI_PyVx" Toolkit prepared &amp; presented by Richard S. Gordon</a:t>
             </a:r>
-            <a:endParaRPr lang="en-US" dirty="0"/>
           </a:p>
         </p:txBody>
       </p:sp>
@@ -2700,7 +2695,7 @@
             </a:pPr>
             <a:fld id="{44D06F95-D493-494F-B0EB-3EDFAA385886}" type="datetime1">
               <a:rPr lang="en-US" smtClean="0"/>
-              <a:t>11/25/2015</a:t>
+              <a:t>12/23/2016</a:t>
             </a:fld>
             <a:endParaRPr lang="en-US"/>
           </a:p>
@@ -2731,10 +2726,9 @@
               <a:defRPr/>
             </a:pPr>
             <a:r>
-              <a:rPr lang="en-US" dirty="0" smtClean="0"/>
+              <a:rPr lang="en-US" dirty="0"/>
               <a:t>TeamSTARS "tsWxGTUI_PyVx" Toolkit prepared &amp; presented by Richard S. Gordon</a:t>
             </a:r>
-            <a:endParaRPr lang="en-US" dirty="0"/>
           </a:p>
         </p:txBody>
       </p:sp>
@@ -3148,7 +3142,7 @@
             </a:pPr>
             <a:fld id="{26FA81D3-96E1-4758-9306-72CE9F6E2F25}" type="datetime1">
               <a:rPr lang="en-US" smtClean="0"/>
-              <a:t>11/25/2015</a:t>
+              <a:t>12/23/2016</a:t>
             </a:fld>
             <a:endParaRPr lang="en-US"/>
           </a:p>
@@ -3179,10 +3173,9 @@
               <a:defRPr/>
             </a:pPr>
             <a:r>
-              <a:rPr lang="en-US" dirty="0" smtClean="0"/>
+              <a:rPr lang="en-US" dirty="0"/>
               <a:t>TeamSTARS "tsWxGTUI_PyVx" Toolkit prepared &amp; presented by Richard S. Gordon</a:t>
             </a:r>
-            <a:endParaRPr lang="en-US" dirty="0"/>
           </a:p>
         </p:txBody>
       </p:sp>
@@ -3289,7 +3282,7 @@
             </a:pPr>
             <a:fld id="{C22C02A3-FDB2-4B02-8110-311DDD8475C2}" type="datetime1">
               <a:rPr lang="en-US" smtClean="0"/>
-              <a:t>11/25/2015</a:t>
+              <a:t>12/23/2016</a:t>
             </a:fld>
             <a:endParaRPr lang="en-US"/>
           </a:p>
@@ -3320,10 +3313,9 @@
               <a:defRPr/>
             </a:pPr>
             <a:r>
-              <a:rPr lang="en-US" dirty="0" smtClean="0"/>
+              <a:rPr lang="en-US" dirty="0"/>
               <a:t>TeamSTARS "tsWxGTUI_PyVx" Toolkit prepared &amp; presented by Richard S. Gordon</a:t>
             </a:r>
-            <a:endParaRPr lang="en-US" dirty="0"/>
           </a:p>
         </p:txBody>
       </p:sp>
@@ -3406,7 +3398,7 @@
             </a:pPr>
             <a:fld id="{FB277746-3C8E-4161-A66B-B97D4FD5213A}" type="datetime1">
               <a:rPr lang="en-US" smtClean="0"/>
-              <a:t>11/25/2015</a:t>
+              <a:t>12/23/2016</a:t>
             </a:fld>
             <a:endParaRPr lang="en-US"/>
           </a:p>
@@ -3700,7 +3692,7 @@
             </a:pPr>
             <a:fld id="{86B778C6-FEB5-4910-BBA7-BBA76466D3B2}" type="datetime1">
               <a:rPr lang="en-US" smtClean="0"/>
-              <a:t>11/25/2015</a:t>
+              <a:t>12/23/2016</a:t>
             </a:fld>
             <a:endParaRPr lang="en-US"/>
           </a:p>
@@ -3731,10 +3723,9 @@
               <a:defRPr/>
             </a:pPr>
             <a:r>
-              <a:rPr lang="en-US" dirty="0" smtClean="0"/>
+              <a:rPr lang="en-US" dirty="0"/>
               <a:t>TeamSTARS "tsWxGTUI_PyVx" Toolkit prepared &amp; presented by Richard S. Gordon</a:t>
             </a:r>
-            <a:endParaRPr lang="en-US" dirty="0"/>
           </a:p>
         </p:txBody>
       </p:sp>
@@ -3977,7 +3968,7 @@
             </a:pPr>
             <a:fld id="{7A68BEE5-7335-4799-9F53-F65CFD274630}" type="datetime1">
               <a:rPr lang="en-US" smtClean="0"/>
-              <a:t>11/25/2015</a:t>
+              <a:t>12/23/2016</a:t>
             </a:fld>
             <a:endParaRPr lang="en-US"/>
           </a:p>
@@ -4008,10 +3999,9 @@
               <a:defRPr/>
             </a:pPr>
             <a:r>
-              <a:rPr lang="en-US" dirty="0" smtClean="0"/>
+              <a:rPr lang="en-US" dirty="0"/>
               <a:t>TeamSTARS "tsWxGTUI_PyVx" Toolkit prepared &amp; presented by Richard S. Gordon</a:t>
             </a:r>
-            <a:endParaRPr lang="en-US" dirty="0"/>
           </a:p>
         </p:txBody>
       </p:sp>
@@ -4391,7 +4381,7 @@
           <a:p>
             <a:pPr lvl="0"/>
             <a:r>
-              <a:rPr lang="en-US" smtClean="0"/>
+              <a:rPr lang="en-US"/>
               <a:t>Click to edit Master title style</a:t>
             </a:r>
           </a:p>
@@ -4433,35 +4423,35 @@
           <a:p>
             <a:pPr lvl="0"/>
             <a:r>
-              <a:rPr lang="en-US" smtClean="0"/>
+              <a:rPr lang="en-US"/>
               <a:t>Click to edit Master text styles</a:t>
             </a:r>
           </a:p>
           <a:p>
             <a:pPr lvl="1"/>
             <a:r>
-              <a:rPr lang="en-US" smtClean="0"/>
+              <a:rPr lang="en-US"/>
               <a:t>Second level</a:t>
             </a:r>
           </a:p>
           <a:p>
             <a:pPr lvl="2"/>
             <a:r>
-              <a:rPr lang="en-US" smtClean="0"/>
+              <a:rPr lang="en-US"/>
               <a:t>Third level</a:t>
             </a:r>
           </a:p>
           <a:p>
             <a:pPr lvl="3"/>
             <a:r>
-              <a:rPr lang="en-US" smtClean="0"/>
+              <a:rPr lang="en-US"/>
               <a:t>Fourth level</a:t>
             </a:r>
           </a:p>
           <a:p>
             <a:pPr lvl="4"/>
             <a:r>
-              <a:rPr lang="en-US" smtClean="0"/>
+              <a:rPr lang="en-US"/>
               <a:t>Fifth level</a:t>
             </a:r>
           </a:p>
@@ -4511,7 +4501,7 @@
             </a:pPr>
             <a:fld id="{45A933D1-86C7-45FF-B83F-CA5ED825AD11}" type="datetime1">
               <a:rPr lang="en-US" smtClean="0"/>
-              <a:t>11/25/2015</a:t>
+              <a:t>12/23/2016</a:t>
             </a:fld>
             <a:endParaRPr lang="en-US"/>
           </a:p>
@@ -4560,10 +4550,9 @@
               <a:defRPr/>
             </a:pPr>
             <a:r>
-              <a:rPr lang="en-US" dirty="0" smtClean="0"/>
+              <a:rPr lang="en-US" dirty="0"/>
               <a:t>TeamSTARS "tsWxGTUI_PyVx" Toolkit prepared &amp; presented by Richard S. Gordon</a:t>
             </a:r>
-            <a:endParaRPr lang="en-US" dirty="0"/>
           </a:p>
         </p:txBody>
       </p:sp>
@@ -5095,10 +5084,9 @@
           <a:lstStyle/>
           <a:p>
             <a:r>
-              <a:rPr lang="en-US" dirty="0" smtClean="0"/>
+              <a:rPr lang="en-US" dirty="0"/>
               <a:t>UseCase_1_Sample_Screen_Shots</a:t>
             </a:r>
-            <a:endParaRPr lang="en-US" dirty="0"/>
           </a:p>
         </p:txBody>
       </p:sp>
@@ -5121,14 +5109,14 @@
               <a:buFont typeface="Wingdings" pitchFamily="2" charset="2"/>
               <a:buNone/>
             </a:pPr>
-            <a:endParaRPr lang="en-US" sz="2800" smtClean="0"/>
+            <a:endParaRPr lang="en-US" sz="2800"/>
           </a:p>
           <a:p>
             <a:pPr marL="0" indent="0" algn="ctr" eaLnBrk="1" hangingPunct="1">
               <a:buFont typeface="Wingdings" pitchFamily="2" charset="2"/>
               <a:buNone/>
             </a:pPr>
-            <a:endParaRPr lang="en-US" sz="2800" smtClean="0"/>
+            <a:endParaRPr lang="en-US" sz="2800"/>
           </a:p>
         </p:txBody>
       </p:sp>
@@ -5151,9 +5139,9 @@
           <a:p>
             <a:fld id="{878D0E70-D567-4EAD-BEEC-D30EFDF84A73}" type="datetime1">
               <a:rPr lang="en-US" smtClean="0"/>
-              <a:t>11/25/2015</a:t>
+              <a:t>12/23/2016</a:t>
             </a:fld>
-            <a:endParaRPr lang="en-US" smtClean="0"/>
+            <a:endParaRPr lang="en-US"/>
           </a:p>
         </p:txBody>
       </p:sp>
@@ -5209,34 +5197,32 @@
       </p:sp>
       <p:pic>
         <p:nvPicPr>
-          <p:cNvPr id="6151" name="Picture 5" descr="tsWxGTUI_PyVx Masthead"/>
+          <p:cNvPr id="3" name="Picture 2"/>
           <p:cNvPicPr>
-            <a:picLocks noChangeAspect="1" noChangeArrowheads="1"/>
+            <a:picLocks noChangeAspect="1"/>
           </p:cNvPicPr>
           <p:nvPr/>
         </p:nvPicPr>
         <p:blipFill>
-          <a:blip r:embed="rId3"/>
-          <a:srcRect/>
+          <a:blip r:embed="rId3">
+            <a:extLst>
+              <a:ext uri="{28A0092B-C50C-407E-A947-70E740481C1C}">
+                <a14:useLocalDpi xmlns:a14="http://schemas.microsoft.com/office/drawing/2010/main" val="0"/>
+              </a:ext>
+            </a:extLst>
+          </a:blip>
           <a:stretch>
             <a:fillRect/>
           </a:stretch>
         </p:blipFill>
-        <p:spPr bwMode="auto">
+        <p:spPr>
           <a:xfrm>
-            <a:off x="1524000" y="2195513"/>
-            <a:ext cx="9196388" cy="2259012"/>
+            <a:off x="502024" y="2419349"/>
+            <a:ext cx="11026588" cy="3504702"/>
           </a:xfrm>
           <a:prstGeom prst="rect">
             <a:avLst/>
           </a:prstGeom>
-          <a:noFill/>
-          <a:ln w="9525">
-            <a:noFill/>
-            <a:miter lim="800000"/>
-            <a:headEnd/>
-            <a:tailEnd/>
-          </a:ln>
         </p:spPr>
       </p:pic>
     </p:spTree>
@@ -5245,13 +5231,6 @@
     <a:masterClrMapping/>
   </p:clrMapOvr>
   <p:transition/>
-  <p:timing>
-    <p:tnLst>
-      <p:par>
-        <p:cTn id="1" dur="indefinite" restart="never" nodeType="tmRoot"/>
-      </p:par>
-    </p:tnLst>
-  </p:timing>
 </p:sld>
 </file>
 
@@ -5289,23 +5268,23 @@
           <a:p>
             <a:pPr eaLnBrk="1" hangingPunct="1"/>
             <a:r>
-              <a:rPr lang="en-US" dirty="0" smtClean="0"/>
+              <a:rPr lang="en-US" dirty="0"/>
               <a:t>Table of Contents </a:t>
             </a:r>
             <a:r>
-              <a:rPr lang="en-US" sz="2000" dirty="0" smtClean="0"/>
+              <a:rPr lang="en-US" sz="2000" dirty="0"/>
               <a:t>(</a:t>
             </a:r>
             <a:r>
-              <a:rPr lang="en-US" sz="2000" i="1" dirty="0" smtClean="0"/>
+              <a:rPr lang="en-US" sz="2000" i="1" dirty="0"/>
               <a:t>with slide show</a:t>
             </a:r>
             <a:r>
-              <a:rPr lang="en-US" sz="2000" dirty="0" smtClean="0"/>
+              <a:rPr lang="en-US" sz="2000" dirty="0"/>
               <a:t> </a:t>
             </a:r>
             <a:r>
-              <a:rPr lang="en-US" sz="2000" u="sng" dirty="0" smtClean="0">
+              <a:rPr lang="en-US" sz="2000" u="sng" dirty="0">
                 <a:solidFill>
                   <a:srgbClr val="FF0000"/>
                 </a:solidFill>
@@ -5313,7 +5292,7 @@
               <a:t>Hyperlinks</a:t>
             </a:r>
             <a:r>
-              <a:rPr lang="en-US" sz="2000" dirty="0" smtClean="0"/>
+              <a:rPr lang="en-US" sz="2000" dirty="0"/>
               <a:t>)</a:t>
             </a:r>
           </a:p>
@@ -5336,92 +5315,80 @@
           <a:p>
             <a:pPr eaLnBrk="1" hangingPunct="1"/>
             <a:r>
-              <a:rPr lang="en-US" sz="2400" dirty="0" smtClean="0"/>
+              <a:rPr lang="en-US" sz="2400" dirty="0"/>
               <a:t>Command Line Interface (CLI)</a:t>
             </a:r>
           </a:p>
           <a:p>
             <a:pPr lvl="1" eaLnBrk="1" hangingPunct="1"/>
             <a:r>
-              <a:rPr lang="en-US" sz="2000" dirty="0" smtClean="0">
+              <a:rPr lang="en-US" sz="2000" dirty="0">
                 <a:hlinkClick r:id="rId3" action="ppaction://hlinksldjump"/>
               </a:rPr>
               <a:t>Sample CLI Display</a:t>
             </a:r>
-            <a:endParaRPr lang="en-US" sz="2000" dirty="0" smtClean="0"/>
+            <a:endParaRPr lang="en-US" sz="2000" dirty="0"/>
           </a:p>
           <a:p>
             <a:pPr eaLnBrk="1" hangingPunct="1"/>
             <a:r>
-              <a:rPr lang="en-US" sz="2400" dirty="0" smtClean="0"/>
+              <a:rPr lang="en-US" sz="2400" dirty="0"/>
               <a:t>Graphical User Interface (GUI)</a:t>
             </a:r>
           </a:p>
           <a:p>
             <a:pPr lvl="1" eaLnBrk="1" hangingPunct="1"/>
             <a:r>
-              <a:rPr lang="en-US" sz="2000" dirty="0" smtClean="0">
+              <a:rPr lang="en-US" sz="2000" dirty="0">
                 <a:hlinkClick r:id="rId4" action="ppaction://hlinksldjump"/>
               </a:rPr>
               <a:t>Sample GUI Widgets</a:t>
             </a:r>
-            <a:endParaRPr lang="en-US" sz="2000" dirty="0" smtClean="0"/>
+            <a:endParaRPr lang="en-US" sz="2000" dirty="0"/>
           </a:p>
           <a:p>
             <a:pPr lvl="1" eaLnBrk="1" hangingPunct="1"/>
             <a:r>
-              <a:rPr lang="en-US" sz="2000" dirty="0" smtClean="0">
+              <a:rPr lang="en-US" sz="2000" dirty="0">
                 <a:hlinkClick r:id="rId5" action="ppaction://hlinksldjump"/>
               </a:rPr>
               <a:t>Sample GUI Scrolled Windows (</a:t>
             </a:r>
             <a:r>
-              <a:rPr lang="en-US" sz="2000" dirty="0" err="1" smtClean="0">
+              <a:rPr lang="en-US" sz="2000" dirty="0" err="1">
                 <a:hlinkClick r:id="rId5" action="ppaction://hlinksldjump"/>
               </a:rPr>
               <a:t>xterm</a:t>
             </a:r>
             <a:r>
-              <a:rPr lang="en-US" sz="2000" dirty="0" smtClean="0">
+              <a:rPr lang="en-US" sz="2000" dirty="0">
                 <a:hlinkClick r:id="rId5" action="ppaction://hlinksldjump"/>
               </a:rPr>
               <a:t> 8-color)</a:t>
             </a:r>
-            <a:endParaRPr lang="en-US" sz="2000" dirty="0" smtClean="0"/>
+            <a:endParaRPr lang="en-US" sz="2000" dirty="0"/>
           </a:p>
           <a:p>
             <a:pPr lvl="1" eaLnBrk="1" hangingPunct="1"/>
             <a:r>
-              <a:rPr lang="en-US" sz="2000" dirty="0" smtClean="0">
+              <a:rPr lang="en-US" sz="2000" dirty="0">
                 <a:hlinkClick r:id="rId6" action="ppaction://hlinksldjump"/>
               </a:rPr>
               <a:t>Sample GUI Scrolled Windows (vt100 Black-on-White) &amp; (vt100 White-on-Black)</a:t>
             </a:r>
-            <a:endParaRPr lang="en-US" sz="2000" dirty="0" smtClean="0"/>
+            <a:endParaRPr lang="en-US" sz="2000" dirty="0"/>
           </a:p>
           <a:p>
             <a:pPr eaLnBrk="1" hangingPunct="1"/>
             <a:r>
-              <a:rPr lang="en-US" sz="2400" dirty="0" smtClean="0"/>
-              <a:t>Laptop </a:t>
-            </a:r>
-            <a:r>
               <a:rPr lang="en-US" sz="2400" dirty="0"/>
-              <a:t>&amp; </a:t>
-            </a:r>
-            <a:r>
-              <a:rPr lang="en-US" sz="2400" dirty="0" smtClean="0"/>
-              <a:t>Workstation for </a:t>
-            </a:r>
-            <a:r>
-              <a:rPr lang="en-US" sz="2400" dirty="0" smtClean="0"/>
-              <a:t>Development &amp; Embedded Systems (HOST)</a:t>
+              <a:t>Laptop &amp; Workstation for Development &amp; Embedded Systems (HOST)</a:t>
             </a:r>
           </a:p>
           <a:p>
             <a:pPr lvl="1" eaLnBrk="1" hangingPunct="1"/>
             <a:r>
-              <a:rPr lang="en-US" sz="2000" dirty="0" smtClean="0">
+              <a:rPr lang="en-US" sz="2000" dirty="0">
                 <a:hlinkClick r:id="rId7" action="ppaction://hlinksldjump"/>
               </a:rPr>
               <a:t>Professional Development Laptop System</a:t>
@@ -5431,17 +5398,17 @@
           <a:p>
             <a:pPr lvl="1" eaLnBrk="1" hangingPunct="1"/>
             <a:r>
-              <a:rPr lang="en-US" sz="2000" dirty="0" smtClean="0">
+              <a:rPr lang="en-US" sz="2000" dirty="0">
                 <a:hlinkClick r:id="rId8" action="ppaction://hlinksldjump"/>
               </a:rPr>
               <a:t>Professional Development Workstation System</a:t>
             </a:r>
-            <a:endParaRPr lang="en-US" sz="2000" dirty="0" smtClean="0"/>
+            <a:endParaRPr lang="en-US" sz="2000" dirty="0"/>
           </a:p>
           <a:p>
             <a:pPr lvl="1" eaLnBrk="1" hangingPunct="1"/>
             <a:r>
-              <a:rPr lang="en-US" sz="2000" dirty="0" smtClean="0">
+              <a:rPr lang="en-US" sz="2000" dirty="0">
                 <a:hlinkClick r:id="rId9" action="ppaction://hlinksldjump"/>
               </a:rPr>
               <a:t>Screenshot Professional Development Workstation System</a:t>
@@ -5469,9 +5436,9 @@
           <a:p>
             <a:fld id="{594743C1-DE31-4E12-9F9F-1BA9DE6E7B96}" type="datetime1">
               <a:rPr lang="en-US" smtClean="0"/>
-              <a:t>11/25/2015</a:t>
+              <a:t>12/23/2016</a:t>
             </a:fld>
-            <a:endParaRPr lang="en-US" smtClean="0"/>
+            <a:endParaRPr lang="en-US"/>
           </a:p>
         </p:txBody>
       </p:sp>
@@ -5531,13 +5498,6 @@
     <a:masterClrMapping/>
   </p:clrMapOvr>
   <p:transition/>
-  <p:timing>
-    <p:tnLst>
-      <p:par>
-        <p:cTn id="1" dur="indefinite" restart="never" nodeType="tmRoot"/>
-      </p:par>
-    </p:tnLst>
-  </p:timing>
 </p:sld>
 </file>
 
@@ -5594,10 +5554,10 @@
               <a:t>Table of Contents</a:t>
             </a:r>
             <a:r>
-              <a:rPr lang="en-US" sz="1800" dirty="0" smtClean="0"/>
+              <a:rPr lang="en-US" sz="1800" dirty="0"/>
               <a:t>)</a:t>
             </a:r>
-            <a:endParaRPr lang="en-US" sz="3200" dirty="0" smtClean="0"/>
+            <a:endParaRPr lang="en-US" sz="3200" dirty="0"/>
           </a:p>
         </p:txBody>
       </p:sp>
@@ -5642,61 +5602,61 @@
           <a:p>
             <a:pPr eaLnBrk="1" hangingPunct="1"/>
             <a:r>
-              <a:rPr lang="en-US" sz="2400" smtClean="0"/>
+              <a:rPr lang="en-US" sz="2400"/>
               <a:t>The </a:t>
             </a:r>
             <a:r>
-              <a:rPr lang="en-US" sz="2400" b="1" smtClean="0"/>
+              <a:rPr lang="en-US" sz="2400" b="1"/>
               <a:t>cd </a:t>
             </a:r>
             <a:r>
-              <a:rPr lang="en-US" sz="2400" smtClean="0"/>
+              <a:rPr lang="en-US" sz="2400"/>
               <a:t>command, also known as </a:t>
             </a:r>
             <a:r>
-              <a:rPr lang="en-US" sz="2400" b="1" smtClean="0"/>
+              <a:rPr lang="en-US" sz="2400" b="1"/>
               <a:t>chdir</a:t>
             </a:r>
             <a:r>
-              <a:rPr lang="en-US" sz="2400" smtClean="0"/>
+              <a:rPr lang="en-US" sz="2400"/>
               <a:t>, changes the directory as specified.</a:t>
             </a:r>
           </a:p>
           <a:p>
             <a:pPr eaLnBrk="1" hangingPunct="1"/>
             <a:r>
-              <a:rPr lang="en-US" sz="2400" smtClean="0"/>
+              <a:rPr lang="en-US" sz="2400"/>
               <a:t>The </a:t>
             </a:r>
             <a:r>
-              <a:rPr lang="en-US" sz="2400" b="1" smtClean="0"/>
+              <a:rPr lang="en-US" sz="2400" b="1"/>
               <a:t>ls </a:t>
             </a:r>
             <a:r>
-              <a:rPr lang="en-US" sz="2400" smtClean="0"/>
+              <a:rPr lang="en-US" sz="2400"/>
               <a:t>command lists files in the directory.</a:t>
             </a:r>
           </a:p>
           <a:p>
             <a:pPr eaLnBrk="1" hangingPunct="1"/>
             <a:r>
-              <a:rPr lang="en-US" sz="2400" smtClean="0"/>
+              <a:rPr lang="en-US" sz="2400"/>
               <a:t>The </a:t>
             </a:r>
             <a:r>
-              <a:rPr lang="en-US" sz="2400" b="1" smtClean="0"/>
+              <a:rPr lang="en-US" sz="2400" b="1"/>
               <a:t>python </a:t>
             </a:r>
             <a:r>
-              <a:rPr lang="en-US" sz="2400" smtClean="0"/>
+              <a:rPr lang="en-US" sz="2400"/>
               <a:t>command</a:t>
             </a:r>
             <a:r>
-              <a:rPr lang="en-US" sz="2400" b="1" smtClean="0"/>
+              <a:rPr lang="en-US" sz="2400" b="1"/>
               <a:t> </a:t>
             </a:r>
             <a:r>
-              <a:rPr lang="en-US" sz="2400" smtClean="0"/>
+              <a:rPr lang="en-US" sz="2400"/>
               <a:t>executes the named program which displays the location of its results before terminating.</a:t>
             </a:r>
           </a:p>
@@ -5721,9 +5681,9 @@
           <a:p>
             <a:fld id="{9A9EE76F-2FFA-43CF-B2CE-C9407F5D7B8A}" type="datetime1">
               <a:rPr lang="en-US" smtClean="0"/>
-              <a:t>11/25/2015</a:t>
+              <a:t>12/23/2016</a:t>
             </a:fld>
-            <a:endParaRPr lang="en-US" smtClean="0"/>
+            <a:endParaRPr lang="en-US"/>
           </a:p>
         </p:txBody>
       </p:sp>
@@ -5745,7 +5705,7 @@
           <a:lstStyle/>
           <a:p>
             <a:r>
-              <a:rPr lang="en-US" dirty="0" smtClean="0"/>
+              <a:rPr lang="en-US" dirty="0"/>
               <a:t>TeamSTARS "tsWxGTUI_PyVx" Toolkit prepared &amp; presented by Richard S. Gordon</a:t>
             </a:r>
           </a:p>
@@ -5787,13 +5747,6 @@
   <p:clrMapOvr>
     <a:masterClrMapping/>
   </p:clrMapOvr>
-  <p:timing>
-    <p:tnLst>
-      <p:par>
-        <p:cTn id="1" dur="indefinite" restart="never" nodeType="tmRoot"/>
-      </p:par>
-    </p:tnLst>
-  </p:timing>
 </p:sld>
 </file>
 
@@ -5832,14 +5785,10 @@
             <a:pPr eaLnBrk="1" hangingPunct="1"/>
             <a:r>
               <a:rPr lang="en-US" dirty="0"/>
-              <a:t>Sample GUI </a:t>
-            </a:r>
-            <a:r>
-              <a:rPr lang="en-US" dirty="0" smtClean="0"/>
-              <a:t>Widgets </a:t>
-            </a:r>
-            <a:r>
-              <a:rPr lang="en-US" sz="1800" dirty="0" smtClean="0"/>
+              <a:t>Sample GUI Widgets </a:t>
+            </a:r>
+            <a:r>
+              <a:rPr lang="en-US" sz="1800" dirty="0"/>
               <a:t>(</a:t>
             </a:r>
             <a:r>
@@ -5849,10 +5798,10 @@
               <a:t>Table of Contents</a:t>
             </a:r>
             <a:r>
-              <a:rPr lang="en-US" sz="1800" dirty="0" smtClean="0"/>
+              <a:rPr lang="en-US" sz="1800" dirty="0"/>
               <a:t>)</a:t>
             </a:r>
-            <a:endParaRPr lang="en-US" sz="3200" dirty="0" smtClean="0"/>
+            <a:endParaRPr lang="en-US" sz="3200" dirty="0"/>
           </a:p>
         </p:txBody>
       </p:sp>
@@ -5897,11 +5846,11 @@
           <a:p>
             <a:pPr eaLnBrk="1" hangingPunct="1"/>
             <a:r>
-              <a:rPr lang="en-US" sz="1800" b="1" dirty="0" smtClean="0"/>
+              <a:rPr lang="en-US" sz="1800" b="1" dirty="0"/>
               <a:t>Blue Frame </a:t>
             </a:r>
             <a:r>
-              <a:rPr lang="en-US" sz="1200" dirty="0" smtClean="0"/>
+              <a:rPr lang="en-US" sz="1200" dirty="0"/>
               <a:t>(</a:t>
             </a:r>
             <a:r>
@@ -5917,7 +5866,7 @@
               <a:t> </a:t>
             </a:r>
             <a:r>
-              <a:rPr lang="en-US" sz="1200" b="1" dirty="0" smtClean="0">
+              <a:rPr lang="en-US" sz="1200" b="1" dirty="0">
                 <a:solidFill>
                   <a:srgbClr val="FF0000"/>
                 </a:solidFill>
@@ -5925,29 +5874,29 @@
               <a:t>partially hidden</a:t>
             </a:r>
             <a:r>
-              <a:rPr lang="en-US" sz="1200" dirty="0" smtClean="0"/>
+              <a:rPr lang="en-US" sz="1200" dirty="0"/>
               <a:t>)</a:t>
             </a:r>
           </a:p>
           <a:p>
             <a:pPr lvl="1" eaLnBrk="1" hangingPunct="1"/>
             <a:r>
-              <a:rPr lang="en-US" sz="1400" dirty="0" smtClean="0"/>
+              <a:rPr lang="en-US" sz="1400" dirty="0"/>
               <a:t>With Title, Menu Bar, Horizontal &amp; Vertical Gauges, Check Boxes and Status Bar</a:t>
             </a:r>
           </a:p>
           <a:p>
             <a:pPr eaLnBrk="1" hangingPunct="1"/>
             <a:r>
-              <a:rPr lang="en-US" sz="1800" b="1" dirty="0" smtClean="0"/>
+              <a:rPr lang="en-US" sz="1800" b="1" dirty="0"/>
               <a:t>White Dialog </a:t>
             </a:r>
             <a:r>
-              <a:rPr lang="en-US" sz="1200" dirty="0" smtClean="0"/>
+              <a:rPr lang="en-US" sz="1200" dirty="0"/>
               <a:t>(</a:t>
             </a:r>
             <a:r>
-              <a:rPr lang="en-US" sz="1200" b="1" dirty="0" smtClean="0">
+              <a:rPr lang="en-US" sz="1200" b="1" dirty="0">
                 <a:solidFill>
                   <a:srgbClr val="FF0000"/>
                 </a:solidFill>
@@ -5955,50 +5904,42 @@
               <a:t>Application</a:t>
             </a:r>
             <a:r>
-              <a:rPr lang="en-US" sz="1200" dirty="0" smtClean="0"/>
+              <a:rPr lang="en-US" sz="1200" dirty="0"/>
               <a:t>)</a:t>
             </a:r>
-            <a:endParaRPr lang="en-US" sz="1200" b="1" dirty="0" smtClean="0"/>
+            <a:endParaRPr lang="en-US" sz="1200" b="1" dirty="0"/>
           </a:p>
           <a:p>
             <a:pPr lvl="1" eaLnBrk="1" hangingPunct="1"/>
             <a:r>
-              <a:rPr lang="en-US" sz="1400" dirty="0" smtClean="0"/>
-              <a:t>With Title, Window Control Buttons, Radio Boxes </a:t>
-            </a:r>
-            <a:r>
               <a:rPr lang="en-US" sz="1400" dirty="0"/>
-              <a:t>and Radio </a:t>
-            </a:r>
-            <a:r>
-              <a:rPr lang="en-US" sz="1400" dirty="0" smtClean="0"/>
-              <a:t>Buttons</a:t>
+              <a:t>With Title, Window Control Buttons, Radio Boxes and Radio Buttons</a:t>
             </a:r>
           </a:p>
           <a:p>
             <a:pPr eaLnBrk="1" hangingPunct="1"/>
             <a:r>
-              <a:rPr lang="en-US" sz="1800" b="1" dirty="0" smtClean="0"/>
+              <a:rPr lang="en-US" sz="1800" b="1" dirty="0"/>
               <a:t>Black Redirected Output (</a:t>
             </a:r>
             <a:r>
-              <a:rPr lang="en-US" sz="1800" b="1" dirty="0" err="1" smtClean="0"/>
+              <a:rPr lang="en-US" sz="1800" b="1" dirty="0" err="1"/>
               <a:t>stdout</a:t>
             </a:r>
             <a:r>
-              <a:rPr lang="en-US" sz="1800" b="1" dirty="0" smtClean="0"/>
+              <a:rPr lang="en-US" sz="1800" b="1" dirty="0"/>
               <a:t>/</a:t>
             </a:r>
             <a:r>
-              <a:rPr lang="en-US" sz="1800" b="1" dirty="0" err="1" smtClean="0"/>
+              <a:rPr lang="en-US" sz="1800" b="1" dirty="0" err="1"/>
               <a:t>stderr</a:t>
             </a:r>
             <a:r>
-              <a:rPr lang="en-US" sz="1800" b="1" dirty="0" smtClean="0"/>
+              <a:rPr lang="en-US" sz="1800" b="1" dirty="0"/>
               <a:t>) Frame </a:t>
             </a:r>
             <a:r>
-              <a:rPr lang="en-US" sz="1200" b="1" dirty="0" smtClean="0"/>
+              <a:rPr lang="en-US" sz="1200" b="1" dirty="0"/>
               <a:t>(</a:t>
             </a:r>
             <a:r>
@@ -6010,25 +5951,25 @@
               <a:t>Application Option</a:t>
             </a:r>
             <a:r>
-              <a:rPr lang="en-US" sz="1200" b="1" dirty="0" smtClean="0"/>
+              <a:rPr lang="en-US" sz="1200" b="1" dirty="0"/>
               <a:t>)</a:t>
             </a:r>
           </a:p>
           <a:p>
             <a:pPr lvl="1" eaLnBrk="1" hangingPunct="1"/>
             <a:r>
-              <a:rPr lang="en-US" sz="1400" dirty="0" smtClean="0"/>
+              <a:rPr lang="en-US" sz="1400" dirty="0"/>
               <a:t>With Title and Output of </a:t>
             </a:r>
           </a:p>
           <a:p>
             <a:pPr lvl="2" eaLnBrk="1" hangingPunct="1"/>
             <a:r>
-              <a:rPr lang="en-US" sz="1200" dirty="0" smtClean="0"/>
+              <a:rPr lang="en-US" sz="1200" dirty="0"/>
               <a:t>Date, Time &amp; Severity-level stamped event notifications (</a:t>
             </a:r>
             <a:r>
-              <a:rPr lang="en-US" sz="1200" b="1" dirty="0" smtClean="0">
+              <a:rPr lang="en-US" sz="1200" b="1" dirty="0">
                 <a:solidFill>
                   <a:srgbClr val="FF0000"/>
                 </a:solidFill>
@@ -6036,11 +5977,11 @@
               <a:t>optional</a:t>
             </a:r>
             <a:r>
-              <a:rPr lang="en-US" sz="1200" dirty="0" smtClean="0"/>
+              <a:rPr lang="en-US" sz="1200" dirty="0"/>
               <a:t> </a:t>
             </a:r>
             <a:r>
-              <a:rPr lang="en-US" sz="1200" b="1" dirty="0" smtClean="0">
+              <a:rPr lang="en-US" sz="1200" b="1" dirty="0">
                 <a:solidFill>
                   <a:srgbClr val="FF0000"/>
                 </a:solidFill>
@@ -6048,11 +5989,11 @@
               <a:t>colorization</a:t>
             </a:r>
             <a:r>
-              <a:rPr lang="en-US" sz="1200" dirty="0" smtClean="0"/>
+              <a:rPr lang="en-US" sz="1200" dirty="0"/>
               <a:t> </a:t>
             </a:r>
             <a:r>
-              <a:rPr lang="en-US" sz="1200" b="1" dirty="0" smtClean="0">
+              <a:rPr lang="en-US" sz="1200" b="1" dirty="0">
                 <a:solidFill>
                   <a:srgbClr val="FF0000"/>
                 </a:solidFill>
@@ -6060,18 +6001,18 @@
               <a:t>not shown</a:t>
             </a:r>
             <a:r>
-              <a:rPr lang="en-US" sz="1200" dirty="0" smtClean="0"/>
+              <a:rPr lang="en-US" sz="1200" dirty="0"/>
               <a:t>)</a:t>
             </a:r>
           </a:p>
           <a:p>
             <a:pPr eaLnBrk="1" hangingPunct="1"/>
             <a:r>
-              <a:rPr lang="en-US" sz="1800" b="1" dirty="0" smtClean="0"/>
+              <a:rPr lang="en-US" sz="1800" b="1" dirty="0"/>
               <a:t>Task Bar Frame </a:t>
             </a:r>
             <a:r>
-              <a:rPr lang="en-US" sz="1200" b="1" dirty="0" smtClean="0"/>
+              <a:rPr lang="en-US" sz="1200" b="1" dirty="0"/>
               <a:t>(</a:t>
             </a:r>
             <a:r>
@@ -6080,63 +6021,31 @@
                   <a:srgbClr val="FF0000"/>
                 </a:solidFill>
               </a:rPr>
-              <a:t>Application </a:t>
-            </a:r>
-            <a:r>
-              <a:rPr lang="en-US" sz="1200" b="1" dirty="0" smtClean="0">
-                <a:solidFill>
-                  <a:srgbClr val="FF0000"/>
-                </a:solidFill>
-              </a:rPr>
-              <a:t>Option</a:t>
-            </a:r>
-            <a:r>
-              <a:rPr lang="en-US" sz="1200" b="1" dirty="0" smtClean="0"/>
+              <a:t>Application Option</a:t>
+            </a:r>
+            <a:r>
+              <a:rPr lang="en-US" sz="1200" b="1" dirty="0"/>
               <a:t>)</a:t>
             </a:r>
           </a:p>
           <a:p>
             <a:pPr lvl="1" eaLnBrk="1" hangingPunct="1"/>
             <a:r>
-              <a:rPr lang="en-US" sz="1400" dirty="0" smtClean="0"/>
-              <a:t>With Title</a:t>
-            </a:r>
-            <a:r>
               <a:rPr lang="en-US" sz="1400" dirty="0"/>
-              <a:t>, </a:t>
-            </a:r>
-            <a:r>
-              <a:rPr lang="en-US" sz="1400" dirty="0" smtClean="0"/>
-              <a:t>Application Frame </a:t>
-            </a:r>
-            <a:r>
-              <a:rPr lang="en-US" sz="1400" dirty="0"/>
-              <a:t>&amp; </a:t>
-            </a:r>
-            <a:r>
-              <a:rPr lang="en-US" sz="1400" dirty="0" smtClean="0"/>
-              <a:t>Dialog </a:t>
-            </a:r>
-            <a:r>
-              <a:rPr lang="en-US" sz="1400" dirty="0"/>
-              <a:t>Focus Control </a:t>
-            </a:r>
-            <a:r>
-              <a:rPr lang="en-US" sz="1400" dirty="0" smtClean="0"/>
-              <a:t>Buttons and Output of</a:t>
+              <a:t>With Title, Application Frame &amp; Dialog Focus Control Buttons and Output of</a:t>
             </a:r>
           </a:p>
           <a:p>
             <a:pPr lvl="2" eaLnBrk="1" hangingPunct="1"/>
             <a:r>
-              <a:rPr lang="en-US" sz="1200" dirty="0" smtClean="0"/>
+              <a:rPr lang="en-US" sz="1200" dirty="0"/>
               <a:t>Network (Name or IP-Address) &amp;  Program Name</a:t>
             </a:r>
           </a:p>
           <a:p>
             <a:pPr lvl="2" eaLnBrk="1" hangingPunct="1"/>
             <a:r>
-              <a:rPr lang="en-US" sz="1200" dirty="0" smtClean="0"/>
+              <a:rPr lang="en-US" sz="1200" dirty="0"/>
               <a:t>Idle Time Spinner and Current Date &amp; Time</a:t>
             </a:r>
           </a:p>
@@ -6161,9 +6070,9 @@
           <a:p>
             <a:fld id="{DBD39040-50A8-46F4-9D42-5A467A9B87D5}" type="datetime1">
               <a:rPr lang="en-US" smtClean="0"/>
-              <a:t>11/25/2015</a:t>
+              <a:t>12/23/2016</a:t>
             </a:fld>
-            <a:endParaRPr lang="en-US" smtClean="0"/>
+            <a:endParaRPr lang="en-US"/>
           </a:p>
         </p:txBody>
       </p:sp>
@@ -6185,7 +6094,7 @@
           <a:lstStyle/>
           <a:p>
             <a:r>
-              <a:rPr lang="en-US" dirty="0" smtClean="0"/>
+              <a:rPr lang="en-US" dirty="0"/>
               <a:t>TeamSTARS "tsWxGTUI_PyVx" Toolkit prepared &amp; presented by Richard S. Gordon</a:t>
             </a:r>
           </a:p>
@@ -6227,13 +6136,6 @@
   <p:clrMapOvr>
     <a:masterClrMapping/>
   </p:clrMapOvr>
-  <p:timing>
-    <p:tnLst>
-      <p:par>
-        <p:cTn id="1" dur="indefinite" restart="never" nodeType="tmRoot"/>
-      </p:par>
-    </p:tnLst>
-  </p:timing>
 </p:sld>
 </file>
 
@@ -6272,11 +6174,7 @@
             <a:pPr eaLnBrk="1" hangingPunct="1"/>
             <a:r>
               <a:rPr lang="en-US" sz="2800" dirty="0"/>
-              <a:t>Sample GUI Scrolled </a:t>
-            </a:r>
-            <a:r>
-              <a:rPr lang="en-US" sz="2800" dirty="0" smtClean="0"/>
-              <a:t>Windows (</a:t>
+              <a:t>Sample GUI Scrolled Windows (</a:t>
             </a:r>
             <a:r>
               <a:rPr lang="en-US" sz="2800" dirty="0" err="1"/>
@@ -6284,14 +6182,10 @@
             </a:r>
             <a:r>
               <a:rPr lang="en-US" sz="2800" dirty="0"/>
-              <a:t> 8-color</a:t>
-            </a:r>
-            <a:r>
-              <a:rPr lang="en-US" sz="2800" dirty="0" smtClean="0"/>
-              <a:t>) </a:t>
-            </a:r>
-            <a:r>
-              <a:rPr lang="en-US" sz="1800" dirty="0" smtClean="0"/>
+              <a:t> 8-color) </a:t>
+            </a:r>
+            <a:r>
+              <a:rPr lang="en-US" sz="1800" dirty="0"/>
               <a:t>(</a:t>
             </a:r>
             <a:r>
@@ -6301,10 +6195,10 @@
               <a:t>Table of Contents</a:t>
             </a:r>
             <a:r>
-              <a:rPr lang="en-US" sz="1800" dirty="0" smtClean="0"/>
+              <a:rPr lang="en-US" sz="1800" dirty="0"/>
               <a:t>)</a:t>
             </a:r>
-            <a:endParaRPr lang="en-US" sz="2000" dirty="0" smtClean="0"/>
+            <a:endParaRPr lang="en-US" sz="2000" dirty="0"/>
           </a:p>
         </p:txBody>
       </p:sp>
@@ -6349,85 +6243,36 @@
           <a:p>
             <a:pPr eaLnBrk="1" hangingPunct="1"/>
             <a:r>
-              <a:rPr lang="en-US" sz="1400" b="1" dirty="0" smtClean="0"/>
+              <a:rPr lang="en-US" sz="1400" b="1" dirty="0"/>
               <a:t>Blue Application Frame</a:t>
             </a:r>
-            <a:endParaRPr lang="en-US" sz="1400" dirty="0" smtClean="0"/>
+            <a:endParaRPr lang="en-US" sz="1400" dirty="0"/>
           </a:p>
           <a:p>
             <a:pPr lvl="1" eaLnBrk="1" hangingPunct="1"/>
             <a:r>
               <a:rPr lang="en-US" sz="1200" dirty="0"/>
-              <a:t>With Title, Menu Bar, </a:t>
-            </a:r>
-            <a:r>
-              <a:rPr lang="en-US" sz="1200" dirty="0" smtClean="0"/>
-              <a:t>Window Size &amp; Close Control Buttons and three scrollable panels.</a:t>
+              <a:t>With Title, Menu Bar, Window Size &amp; Close Control Buttons and three scrollable panels.</a:t>
             </a:r>
           </a:p>
           <a:p>
             <a:pPr eaLnBrk="1" hangingPunct="1"/>
             <a:r>
-              <a:rPr lang="en-US" sz="1400" b="1" dirty="0" smtClean="0"/>
-              <a:t>Three Scrollable </a:t>
-            </a:r>
-            <a:r>
               <a:rPr lang="en-US" sz="1400" b="1" dirty="0"/>
-              <a:t>Application </a:t>
-            </a:r>
-            <a:r>
-              <a:rPr lang="en-US" sz="1400" b="1" dirty="0" smtClean="0"/>
-              <a:t>Panels</a:t>
-            </a:r>
-            <a:r>
-              <a:rPr lang="en-US" sz="1400" b="1" dirty="0"/>
-              <a:t> </a:t>
-            </a:r>
-            <a:r>
-              <a:rPr lang="en-US" sz="1400" b="1" dirty="0" smtClean="0"/>
-              <a:t>(</a:t>
-            </a:r>
-            <a:r>
-              <a:rPr lang="en-US" sz="1400" b="1" dirty="0"/>
-              <a:t>Cyan </a:t>
-            </a:r>
-            <a:r>
-              <a:rPr lang="en-US" sz="1400" b="1" dirty="0" smtClean="0"/>
-              <a:t>Horizontal, Green </a:t>
-            </a:r>
-            <a:r>
-              <a:rPr lang="en-US" sz="1400" b="1" dirty="0"/>
-              <a:t>Vertical </a:t>
-            </a:r>
-            <a:r>
-              <a:rPr lang="en-US" sz="1400" b="1" dirty="0" smtClean="0"/>
-              <a:t>&amp; Yellow</a:t>
-            </a:r>
-            <a:r>
-              <a:rPr lang="en-US" sz="1400" b="1" dirty="0"/>
-              <a:t> Dual </a:t>
-            </a:r>
-            <a:r>
-              <a:rPr lang="en-US" sz="1400" b="1" dirty="0" smtClean="0"/>
-              <a:t>) </a:t>
-            </a:r>
-            <a:endParaRPr lang="en-US" sz="1400" b="1" dirty="0"/>
+              <a:t>Three Scrollable Application Panels (Cyan Horizontal, Green Vertical &amp; Yellow Dual ) </a:t>
+            </a:r>
           </a:p>
           <a:p>
             <a:pPr lvl="1" eaLnBrk="1" hangingPunct="1"/>
             <a:r>
-              <a:rPr lang="en-US" sz="1200" dirty="0" smtClean="0"/>
-              <a:t>Each with </a:t>
-            </a:r>
-            <a:r>
               <a:rPr lang="en-US" sz="1200" dirty="0"/>
-              <a:t>Title and Output of </a:t>
+              <a:t>Each with Title and Output of </a:t>
             </a:r>
           </a:p>
           <a:p>
             <a:pPr lvl="2" eaLnBrk="1" hangingPunct="1"/>
             <a:r>
-              <a:rPr lang="en-US" sz="1100" dirty="0" smtClean="0"/>
+              <a:rPr lang="en-US" sz="1100" dirty="0"/>
               <a:t>Multi-Colored &amp; Non-Colored Text, Horizontal and/or Vertical scroll bars, associated clickable arrow buttons and clickable gauge depicting relative size and position or displayed text. </a:t>
             </a:r>
           </a:p>
@@ -6473,22 +6318,18 @@
           <a:p>
             <a:pPr lvl="1" eaLnBrk="1" hangingPunct="1"/>
             <a:r>
-              <a:rPr lang="en-US" sz="1200" dirty="0" smtClean="0"/>
-              <a:t>With </a:t>
-            </a:r>
-            <a:r>
               <a:rPr lang="en-US" sz="1200" dirty="0"/>
-              <a:t>Title and Output of </a:t>
+              <a:t>With Title and Output of </a:t>
             </a:r>
           </a:p>
           <a:p>
             <a:pPr lvl="2" eaLnBrk="1" hangingPunct="1"/>
             <a:r>
-              <a:rPr lang="en-US" sz="1100" dirty="0" smtClean="0"/>
+              <a:rPr lang="en-US" sz="1100" dirty="0"/>
               <a:t>Colorized, date, time &amp; severity-level stamped event notifications (</a:t>
             </a:r>
             <a:r>
-              <a:rPr lang="en-US" sz="1100" b="1" dirty="0" smtClean="0">
+              <a:rPr lang="en-US" sz="1100" b="1" dirty="0">
                 <a:solidFill>
                   <a:srgbClr val="FF0000"/>
                 </a:solidFill>
@@ -6496,7 +6337,7 @@
               <a:t>lowest severity debug-level shown</a:t>
             </a:r>
             <a:r>
-              <a:rPr lang="en-US" sz="1100" dirty="0" smtClean="0"/>
+              <a:rPr lang="en-US" sz="1100" dirty="0"/>
               <a:t>)</a:t>
             </a:r>
           </a:p>
@@ -6526,36 +6367,15 @@
           <a:p>
             <a:pPr lvl="1" eaLnBrk="1" hangingPunct="1"/>
             <a:r>
-              <a:rPr lang="en-US" sz="1200" dirty="0" smtClean="0"/>
-              <a:t>With </a:t>
-            </a:r>
-            <a:r>
               <a:rPr lang="en-US" sz="1200" dirty="0"/>
-              <a:t>Title, Application </a:t>
-            </a:r>
-            <a:r>
-              <a:rPr lang="en-US" sz="1200" dirty="0" smtClean="0"/>
-              <a:t>Frame </a:t>
-            </a:r>
-            <a:r>
-              <a:rPr lang="en-US" sz="1200" dirty="0"/>
-              <a:t>Focus Control Buttons and Output </a:t>
-            </a:r>
-            <a:r>
-              <a:rPr lang="en-US" sz="1200" dirty="0" smtClean="0"/>
-              <a:t>of</a:t>
-            </a:r>
-            <a:endParaRPr lang="en-US" sz="1200" dirty="0"/>
+              <a:t>With Title, Application Frame Focus Control Buttons and Output of</a:t>
+            </a:r>
           </a:p>
           <a:p>
             <a:pPr lvl="2" eaLnBrk="1" hangingPunct="1"/>
             <a:r>
               <a:rPr lang="en-US" sz="1050" dirty="0"/>
-              <a:t>Network (Name or IP-Address) &amp;  Program </a:t>
-            </a:r>
-            <a:r>
-              <a:rPr lang="en-US" sz="1050" dirty="0" smtClean="0"/>
-              <a:t>Name</a:t>
+              <a:t>Network (Name or IP-Address) &amp;  Program Name</a:t>
             </a:r>
           </a:p>
           <a:p>
@@ -6601,9 +6421,9 @@
           <a:p>
             <a:fld id="{12F7545A-B2B6-4F10-B5DC-087934EAA2D7}" type="datetime1">
               <a:rPr lang="en-US" smtClean="0"/>
-              <a:t>11/25/2015</a:t>
+              <a:t>12/23/2016</a:t>
             </a:fld>
-            <a:endParaRPr lang="en-US" smtClean="0"/>
+            <a:endParaRPr lang="en-US"/>
           </a:p>
         </p:txBody>
       </p:sp>
@@ -6625,7 +6445,7 @@
           <a:lstStyle/>
           <a:p>
             <a:r>
-              <a:rPr lang="en-US" dirty="0" smtClean="0"/>
+              <a:rPr lang="en-US" dirty="0"/>
               <a:t>TeamSTARS "tsWxGTUI_PyVx" Toolkit prepared &amp; presented by Richard S. Gordon</a:t>
             </a:r>
           </a:p>
@@ -6667,13 +6487,6 @@
   <p:clrMapOvr>
     <a:masterClrMapping/>
   </p:clrMapOvr>
-  <p:timing>
-    <p:tnLst>
-      <p:par>
-        <p:cTn id="1" dur="indefinite" restart="never" nodeType="tmRoot"/>
-      </p:par>
-    </p:tnLst>
-  </p:timing>
 </p:sld>
 </file>
 
@@ -6711,27 +6524,11 @@
           <a:p>
             <a:r>
               <a:rPr lang="en-US" sz="2800" dirty="0"/>
-              <a:t>Sample GUI Scrolled </a:t>
-            </a:r>
-            <a:r>
-              <a:rPr lang="en-US" sz="2800" dirty="0" smtClean="0"/>
-              <a:t>Windows Normal (vt100 Black-on-White) </a:t>
-            </a:r>
-            <a:r>
-              <a:rPr lang="en-US" sz="2800" dirty="0"/>
-              <a:t>&amp; </a:t>
-            </a:r>
-            <a:r>
-              <a:rPr lang="en-US" sz="2800" dirty="0" smtClean="0"/>
-              <a:t>Reversed </a:t>
-            </a:r>
-            <a:r>
-              <a:rPr lang="en-US" sz="2400" dirty="0" smtClean="0"/>
-              <a:t>(vt100 White-on-Black</a:t>
+              <a:t>Sample GUI Scrolled Windows Normal (vt100 Black-on-White) &amp; Reversed </a:t>
             </a:r>
             <a:r>
               <a:rPr lang="en-US" sz="2400" dirty="0"/>
-              <a:t>) </a:t>
+              <a:t>(vt100 White-on-Black) </a:t>
             </a:r>
             <a:r>
               <a:rPr lang="en-US" sz="2000" dirty="0"/>
@@ -6802,7 +6599,7 @@
           <a:p>
             <a:pPr eaLnBrk="1" hangingPunct="1"/>
             <a:r>
-              <a:rPr lang="en-US" sz="1400" b="1" dirty="0" smtClean="0"/>
+              <a:rPr lang="en-US" sz="1400" b="1" dirty="0"/>
               <a:t>Outer-Most Application Frames</a:t>
             </a:r>
             <a:endParaRPr lang="en-US" sz="1400" dirty="0"/>
@@ -6817,32 +6614,15 @@
           <a:p>
             <a:pPr eaLnBrk="1" hangingPunct="1"/>
             <a:r>
-              <a:rPr lang="en-US" sz="1400" b="1" dirty="0" smtClean="0"/>
-              <a:t>Three Scrollable </a:t>
-            </a:r>
-            <a:r>
               <a:rPr lang="en-US" sz="1400" b="1" dirty="0"/>
-              <a:t>Application </a:t>
-            </a:r>
-            <a:r>
-              <a:rPr lang="en-US" sz="1400" b="1" dirty="0" smtClean="0"/>
-              <a:t>Panels (Horizontal, Vertical &amp; Dual) </a:t>
-            </a:r>
-            <a:endParaRPr lang="en-US" sz="1400" b="1" dirty="0"/>
+              <a:t>Three Scrollable Application Panels (Horizontal, Vertical &amp; Dual) </a:t>
+            </a:r>
           </a:p>
           <a:p>
             <a:pPr lvl="1" eaLnBrk="1" hangingPunct="1"/>
             <a:r>
               <a:rPr lang="en-US" sz="1100" dirty="0"/>
-              <a:t>Each with </a:t>
-            </a:r>
-            <a:r>
-              <a:rPr lang="en-US" sz="1100" dirty="0" smtClean="0"/>
-              <a:t>Non-Colored </a:t>
-            </a:r>
-            <a:r>
-              <a:rPr lang="en-US" sz="1100" dirty="0"/>
-              <a:t>Text, Horizontal and/or Vertical scroll bars, associated clickable arrow buttons and clickable gauge depicting relative size and position or displayed text. </a:t>
+              <a:t>Each with Non-Colored Text, Horizontal and/or Vertical scroll bars, associated clickable arrow buttons and clickable gauge depicting relative size and position or displayed text. </a:t>
             </a:r>
           </a:p>
           <a:p>
@@ -6894,12 +6674,8 @@
           <a:p>
             <a:pPr lvl="2" eaLnBrk="1" hangingPunct="1"/>
             <a:r>
-              <a:rPr lang="en-US" sz="1100" dirty="0" smtClean="0"/>
-              <a:t>Non-Colorized</a:t>
-            </a:r>
-            <a:r>
               <a:rPr lang="en-US" sz="1100" dirty="0"/>
-              <a:t>, date, time &amp; severity-level stamped event notifications (</a:t>
+              <a:t>Non-Colorized, date, time &amp; severity-level stamped event notifications (</a:t>
             </a:r>
             <a:r>
               <a:rPr lang="en-US" sz="1100" b="1" dirty="0">
@@ -6998,7 +6774,7 @@
             </a:pPr>
             <a:fld id="{44D06F95-D493-494F-B0EB-3EDFAA385886}" type="datetime1">
               <a:rPr lang="en-US" smtClean="0"/>
-              <a:t>11/25/2015</a:t>
+              <a:t>12/23/2016</a:t>
             </a:fld>
             <a:endParaRPr lang="en-US"/>
           </a:p>
@@ -7023,10 +6799,9 @@
               <a:defRPr/>
             </a:pPr>
             <a:r>
-              <a:rPr lang="en-US" dirty="0" smtClean="0"/>
+              <a:rPr lang="en-US" dirty="0"/>
               <a:t>TeamSTARS "tsWxGTUI_PyVx" Toolkit prepared &amp; presented by Richard S. Gordon</a:t>
             </a:r>
-            <a:endParaRPr lang="en-US" dirty="0"/>
           </a:p>
         </p:txBody>
       </p:sp>
@@ -7064,13 +6839,6 @@
   <p:clrMapOvr>
     <a:masterClrMapping/>
   </p:clrMapOvr>
-  <p:timing>
-    <p:tnLst>
-      <p:par>
-        <p:cTn id="1" dur="indefinite" restart="never" nodeType="tmRoot"/>
-      </p:par>
-    </p:tnLst>
-  </p:timing>
 </p:sld>
 </file>
 
@@ -7110,9 +6878,9 @@
           <a:p>
             <a:fld id="{780AC770-591B-46CD-918F-F04F5DAD2833}" type="datetime1">
               <a:rPr lang="en-US" smtClean="0"/>
-              <a:t>11/25/2015</a:t>
+              <a:t>12/23/2016</a:t>
             </a:fld>
-            <a:endParaRPr lang="en-US" smtClean="0"/>
+            <a:endParaRPr lang="en-US"/>
           </a:p>
         </p:txBody>
       </p:sp>
@@ -7134,7 +6902,7 @@
           <a:lstStyle/>
           <a:p>
             <a:r>
-              <a:rPr lang="en-US" dirty="0" smtClean="0"/>
+              <a:rPr lang="en-US" dirty="0"/>
               <a:t>TeamSTARS "tsWxGTUI_PyVx" Toolkit prepared &amp; presented by Richard S. Gordon</a:t>
             </a:r>
           </a:p>
@@ -7183,11 +6951,11 @@
           <a:p>
             <a:pPr eaLnBrk="1" hangingPunct="1"/>
             <a:r>
-              <a:rPr lang="en-US" dirty="0" smtClean="0"/>
+              <a:rPr lang="en-US" dirty="0"/>
               <a:t>Professional Development Laptop System </a:t>
             </a:r>
             <a:r>
-              <a:rPr lang="en-US" sz="2000" dirty="0" smtClean="0"/>
+              <a:rPr lang="en-US" sz="2000" dirty="0"/>
               <a:t>(</a:t>
             </a:r>
             <a:r>
@@ -7197,10 +6965,10 @@
               <a:t>Table of Contents</a:t>
             </a:r>
             <a:r>
-              <a:rPr lang="en-US" sz="2000" dirty="0" smtClean="0"/>
+              <a:rPr lang="en-US" sz="2000" dirty="0"/>
               <a:t>)</a:t>
             </a:r>
-            <a:endParaRPr lang="en-US" sz="2400" dirty="0" smtClean="0"/>
+            <a:endParaRPr lang="en-US" sz="2400" dirty="0"/>
           </a:p>
         </p:txBody>
       </p:sp>
@@ -7225,7 +6993,7 @@
               </a:lnSpc>
             </a:pPr>
             <a:r>
-              <a:rPr lang="en-US" sz="1800" b="1" dirty="0" smtClean="0"/>
+              <a:rPr lang="en-US" sz="1800" b="1" dirty="0"/>
               <a:t>2007 Apple MacBook Pro Hardware</a:t>
             </a:r>
           </a:p>
@@ -7236,11 +7004,11 @@
               </a:lnSpc>
             </a:pPr>
             <a:r>
-              <a:rPr lang="en-NZ" sz="1600" dirty="0" smtClean="0"/>
+              <a:rPr lang="en-NZ" sz="1600" dirty="0"/>
               <a:t>2.33 GHz Intel Core 2 Duo </a:t>
             </a:r>
             <a:r>
-              <a:rPr lang="en-US" sz="1600" dirty="0" smtClean="0"/>
+              <a:rPr lang="en-US" sz="1600" dirty="0"/>
               <a:t>processor</a:t>
             </a:r>
           </a:p>
@@ -7251,7 +7019,7 @@
               </a:lnSpc>
             </a:pPr>
             <a:r>
-              <a:rPr lang="en-US" sz="1600" dirty="0" smtClean="0"/>
+              <a:rPr lang="en-US" sz="1600" dirty="0"/>
               <a:t>4 GB RAM</a:t>
             </a:r>
           </a:p>
@@ -7262,11 +7030,11 @@
               </a:lnSpc>
             </a:pPr>
             <a:r>
-              <a:rPr lang="en-NZ" sz="1600" dirty="0" smtClean="0"/>
+              <a:rPr lang="en-NZ" sz="1600" dirty="0"/>
               <a:t>17” 1920x1200</a:t>
             </a:r>
             <a:r>
-              <a:rPr lang="en-US" sz="1600" dirty="0" smtClean="0"/>
+              <a:rPr lang="en-US" sz="1600" dirty="0"/>
               <a:t> pixel LCD display</a:t>
             </a:r>
           </a:p>
@@ -7277,10 +7045,10 @@
               </a:lnSpc>
             </a:pPr>
             <a:r>
-              <a:rPr lang="en-NZ" sz="1600" dirty="0" smtClean="0"/>
+              <a:rPr lang="en-NZ" sz="1600" dirty="0"/>
               <a:t>160 GB (5400 RPM) SATA 1.5 Gb/s internal hard drive</a:t>
             </a:r>
-            <a:endParaRPr lang="en-US" sz="1600" dirty="0" smtClean="0"/>
+            <a:endParaRPr lang="en-US" sz="1600" dirty="0"/>
           </a:p>
           <a:p>
             <a:pPr lvl="1" eaLnBrk="1" hangingPunct="1">
@@ -7289,7 +7057,7 @@
               </a:lnSpc>
             </a:pPr>
             <a:r>
-              <a:rPr lang="en-NZ" sz="1600" dirty="0" smtClean="0"/>
+              <a:rPr lang="en-NZ" sz="1600" dirty="0"/>
               <a:t>1.5 TB (7200 RPM) SATA 3 Gb/s external hard drive</a:t>
             </a:r>
           </a:p>
@@ -7300,7 +7068,7 @@
               </a:lnSpc>
             </a:pPr>
             <a:r>
-              <a:rPr lang="en-US" sz="1600" dirty="0" smtClean="0"/>
+              <a:rPr lang="en-US" sz="1600" dirty="0"/>
               <a:t>Ethernet Network Adapter</a:t>
             </a:r>
           </a:p>
@@ -7311,11 +7079,11 @@
               </a:lnSpc>
             </a:pPr>
             <a:r>
-              <a:rPr lang="en-US" sz="1600" dirty="0" err="1" smtClean="0"/>
+              <a:rPr lang="en-US" sz="1600" dirty="0" err="1"/>
               <a:t>WiFi</a:t>
             </a:r>
             <a:r>
-              <a:rPr lang="en-US" sz="1600" dirty="0" smtClean="0"/>
+              <a:rPr lang="en-US" sz="1600" dirty="0"/>
               <a:t> Wireless Network Adapter</a:t>
             </a:r>
           </a:p>
@@ -7326,7 +7094,7 @@
               </a:lnSpc>
             </a:pPr>
             <a:r>
-              <a:rPr lang="en-US" sz="1800" b="1" dirty="0" smtClean="0"/>
+              <a:rPr lang="en-US" sz="1800" b="1" dirty="0"/>
               <a:t>Development / Embedded Software</a:t>
             </a:r>
           </a:p>
@@ -7337,11 +7105,11 @@
               </a:lnSpc>
             </a:pPr>
             <a:r>
-              <a:rPr lang="en-US" sz="1600" dirty="0" smtClean="0"/>
+              <a:rPr lang="en-US" sz="1600" dirty="0"/>
               <a:t>MAC OS X 10.7.5 Lion</a:t>
             </a:r>
             <a:r>
-              <a:rPr lang="en-US" sz="1600" b="1" dirty="0" smtClean="0"/>
+              <a:rPr lang="en-US" sz="1600" b="1" dirty="0"/>
               <a:t> </a:t>
             </a:r>
           </a:p>
@@ -7352,7 +7120,7 @@
               </a:lnSpc>
             </a:pPr>
             <a:r>
-              <a:rPr lang="en-US" sz="1600" dirty="0" smtClean="0"/>
+              <a:rPr lang="en-US" sz="1600" dirty="0"/>
               <a:t>Wing IDE 3-4</a:t>
             </a:r>
           </a:p>
@@ -7363,7 +7131,7 @@
               </a:lnSpc>
             </a:pPr>
             <a:r>
-              <a:rPr lang="en-US" sz="1600" dirty="0" smtClean="0"/>
+              <a:rPr lang="en-US" sz="1600" dirty="0"/>
               <a:t>LibreOffice</a:t>
             </a:r>
           </a:p>
@@ -7374,10 +7142,10 @@
               </a:lnSpc>
             </a:pPr>
             <a:r>
-              <a:rPr lang="en-US" sz="1600" dirty="0" err="1" smtClean="0"/>
+              <a:rPr lang="en-US" sz="1600" dirty="0" err="1"/>
               <a:t>Xemacs</a:t>
             </a:r>
-            <a:endParaRPr lang="en-US" sz="1600" dirty="0" smtClean="0"/>
+            <a:endParaRPr lang="en-US" sz="1600" dirty="0"/>
           </a:p>
           <a:p>
             <a:pPr lvl="1" eaLnBrk="1" hangingPunct="1">
@@ -7386,7 +7154,7 @@
               </a:lnSpc>
             </a:pPr>
             <a:r>
-              <a:rPr lang="en-US" sz="1600" dirty="0" smtClean="0"/>
+              <a:rPr lang="en-US" sz="1600" dirty="0"/>
               <a:t>Python 2x &amp; 3x</a:t>
             </a:r>
           </a:p>
@@ -7413,7 +7181,7 @@
               </a:lnSpc>
             </a:pPr>
             <a:r>
-              <a:rPr lang="en-US" sz="1800" b="1" dirty="0" smtClean="0"/>
+              <a:rPr lang="en-US" sz="1800" b="1" dirty="0"/>
               <a:t>Guest (non-optimized) Embedded Software</a:t>
             </a:r>
           </a:p>
@@ -7424,11 +7192,11 @@
               </a:lnSpc>
             </a:pPr>
             <a:r>
-              <a:rPr lang="en-US" sz="1600" b="1" dirty="0" smtClean="0"/>
+              <a:rPr lang="en-US" sz="1600" b="1" dirty="0"/>
               <a:t>Parallels Desktop</a:t>
             </a:r>
             <a:r>
-              <a:rPr lang="en-US" sz="1600" dirty="0" smtClean="0"/>
+              <a:rPr lang="en-US" sz="1600" dirty="0"/>
               <a:t> 8 Hypervisor for running Guest OS:</a:t>
             </a:r>
           </a:p>
@@ -7439,34 +7207,34 @@
               </a:lnSpc>
             </a:pPr>
             <a:r>
-              <a:rPr lang="en-NZ" sz="1400" dirty="0" smtClean="0"/>
+              <a:rPr lang="en-NZ" sz="1400" dirty="0"/>
               <a:t>Linux (Fedora 20 32-bit, </a:t>
             </a:r>
             <a:r>
-              <a:rPr lang="en-NZ" sz="1400" dirty="0" err="1" smtClean="0"/>
+              <a:rPr lang="en-NZ" sz="1400" dirty="0" err="1"/>
               <a:t>OpenSuSE</a:t>
             </a:r>
             <a:r>
-              <a:rPr lang="en-NZ" sz="1400" dirty="0" smtClean="0"/>
+              <a:rPr lang="en-NZ" sz="1400" dirty="0"/>
               <a:t> 12.2 32-bit, Scientific (CentOS) 6.4-6.5 64-bit, Ubuntu 12.04 32-bit) with Python 2.7 and 3.2 </a:t>
             </a:r>
             <a:r>
-              <a:rPr lang="en-US" sz="1400" dirty="0" smtClean="0"/>
+              <a:rPr lang="en-US" sz="1400" dirty="0"/>
               <a:t>with Wing IDE 3, </a:t>
             </a:r>
             <a:r>
-              <a:rPr lang="en-US" sz="1400" dirty="0" err="1" smtClean="0"/>
+              <a:rPr lang="en-US" sz="1400" dirty="0" err="1"/>
               <a:t>LibraOffice</a:t>
             </a:r>
             <a:r>
-              <a:rPr lang="en-US" sz="1400" dirty="0" smtClean="0"/>
+              <a:rPr lang="en-US" sz="1400" dirty="0"/>
               <a:t> and </a:t>
             </a:r>
             <a:r>
-              <a:rPr lang="en-US" sz="1400" dirty="0" err="1" smtClean="0"/>
+              <a:rPr lang="en-US" sz="1400" dirty="0" err="1"/>
               <a:t>XEmacs</a:t>
             </a:r>
-            <a:endParaRPr lang="en-US" sz="1400" dirty="0" smtClean="0"/>
+            <a:endParaRPr lang="en-US" sz="1400" dirty="0"/>
           </a:p>
           <a:p>
             <a:pPr lvl="2" eaLnBrk="1" hangingPunct="1">
@@ -7475,14 +7243,14 @@
               </a:lnSpc>
             </a:pPr>
             <a:r>
-              <a:rPr lang="en-US" sz="1400" dirty="0" smtClean="0"/>
+              <a:rPr lang="en-US" sz="1400" dirty="0"/>
               <a:t>Microsoft Windows (XP, 7, 8 &amp; 8.1 each with Cygwin 1.7.8) with Wing IDE 3, AuthorIt-5, Office 2002 &amp; </a:t>
             </a:r>
             <a:r>
-              <a:rPr lang="en-US" sz="1400" dirty="0" err="1" smtClean="0"/>
+              <a:rPr lang="en-US" sz="1400" dirty="0" err="1"/>
               <a:t>XEmacs</a:t>
             </a:r>
-            <a:endParaRPr lang="en-US" sz="1400" dirty="0" smtClean="0"/>
+            <a:endParaRPr lang="en-US" sz="1400" dirty="0"/>
           </a:p>
           <a:p>
             <a:pPr lvl="2" eaLnBrk="1" hangingPunct="1">
@@ -7491,38 +7259,38 @@
               </a:lnSpc>
             </a:pPr>
             <a:r>
-              <a:rPr lang="en-US" sz="1400" dirty="0" smtClean="0"/>
+              <a:rPr lang="en-US" sz="1400" dirty="0"/>
               <a:t>Unix (PC-BSD 9.2-10.0, </a:t>
             </a:r>
             <a:r>
-              <a:rPr lang="en-US" sz="1400" dirty="0" err="1" smtClean="0"/>
+              <a:rPr lang="en-US" sz="1400" dirty="0" err="1"/>
               <a:t>OpenIndiana</a:t>
             </a:r>
             <a:r>
-              <a:rPr lang="en-US" sz="1400" dirty="0" smtClean="0"/>
+              <a:rPr lang="en-US" sz="1400" dirty="0"/>
               <a:t> 151a3 &amp; </a:t>
             </a:r>
             <a:r>
-              <a:rPr lang="en-US" sz="1400" dirty="0" err="1" smtClean="0"/>
+              <a:rPr lang="en-US" sz="1400" dirty="0" err="1"/>
               <a:t>OpenSolaris</a:t>
             </a:r>
             <a:r>
-              <a:rPr lang="en-US" sz="1400" dirty="0" smtClean="0"/>
+              <a:rPr lang="en-US" sz="1400" dirty="0"/>
               <a:t> 11) with </a:t>
             </a:r>
             <a:r>
-              <a:rPr lang="en-US" sz="1400" dirty="0" err="1" smtClean="0"/>
+              <a:rPr lang="en-US" sz="1400" dirty="0" err="1"/>
               <a:t>LibraOffice</a:t>
             </a:r>
             <a:r>
-              <a:rPr lang="en-US" sz="1400" dirty="0" smtClean="0"/>
+              <a:rPr lang="en-US" sz="1400" dirty="0"/>
               <a:t> and </a:t>
             </a:r>
             <a:r>
-              <a:rPr lang="en-US" sz="1400" dirty="0" err="1" smtClean="0"/>
+              <a:rPr lang="en-US" sz="1400" dirty="0" err="1"/>
               <a:t>Xemacs</a:t>
             </a:r>
-            <a:endParaRPr lang="en-US" sz="1400" dirty="0" smtClean="0"/>
+            <a:endParaRPr lang="en-US" sz="1400" dirty="0"/>
           </a:p>
           <a:p>
             <a:pPr lvl="1" eaLnBrk="1" hangingPunct="1">
@@ -7531,11 +7299,11 @@
               </a:lnSpc>
             </a:pPr>
             <a:r>
-              <a:rPr lang="en-US" sz="1600" b="1" dirty="0" smtClean="0"/>
+              <a:rPr lang="en-US" sz="1600" b="1" dirty="0"/>
               <a:t>VMware Fusion</a:t>
             </a:r>
             <a:r>
-              <a:rPr lang="en-US" sz="1600" dirty="0" smtClean="0"/>
+              <a:rPr lang="en-US" sz="1600" dirty="0"/>
               <a:t> 7 Hypervisor for running Guest OS:</a:t>
             </a:r>
           </a:p>
@@ -7546,15 +7314,15 @@
               </a:lnSpc>
             </a:pPr>
             <a:r>
-              <a:rPr lang="en-US" sz="1400" dirty="0" smtClean="0"/>
+              <a:rPr lang="en-US" sz="1400" dirty="0"/>
               <a:t>Linux (</a:t>
             </a:r>
             <a:r>
-              <a:rPr lang="en-US" sz="1400" dirty="0" err="1" smtClean="0"/>
+              <a:rPr lang="en-US" sz="1400" dirty="0" err="1"/>
               <a:t>OpenSuSE</a:t>
             </a:r>
             <a:r>
-              <a:rPr lang="en-US" sz="1400" dirty="0" smtClean="0"/>
+              <a:rPr lang="en-US" sz="1400" dirty="0"/>
               <a:t> 13.1)</a:t>
             </a:r>
           </a:p>
@@ -7565,16 +7333,8 @@
               </a:lnSpc>
             </a:pPr>
             <a:r>
-              <a:rPr lang="en-US" sz="1400" dirty="0" smtClean="0"/>
-              <a:t>Microsoft </a:t>
-            </a:r>
-            <a:r>
               <a:rPr lang="en-US" sz="1400" dirty="0"/>
-              <a:t>Windows </a:t>
-            </a:r>
-            <a:r>
-              <a:rPr lang="en-US" sz="1400" dirty="0" smtClean="0"/>
-              <a:t>(2000)</a:t>
+              <a:t>Microsoft Windows (2000)</a:t>
             </a:r>
           </a:p>
         </p:txBody>
@@ -7589,13 +7349,6 @@
   <p:clrMapOvr>
     <a:masterClrMapping/>
   </p:clrMapOvr>
-  <p:timing>
-    <p:tnLst>
-      <p:par>
-        <p:cTn id="1" dur="indefinite" restart="never" nodeType="tmRoot"/>
-      </p:par>
-    </p:tnLst>
-  </p:timing>
 </p:sld>
 </file>
 
@@ -7635,9 +7388,9 @@
           <a:p>
             <a:fld id="{3379E2F9-EB65-40CE-B811-500394624150}" type="datetime1">
               <a:rPr lang="en-US" smtClean="0"/>
-              <a:t>11/25/2015</a:t>
+              <a:t>12/23/2016</a:t>
             </a:fld>
-            <a:endParaRPr lang="en-US" smtClean="0"/>
+            <a:endParaRPr lang="en-US"/>
           </a:p>
         </p:txBody>
       </p:sp>
@@ -7659,7 +7412,7 @@
           <a:lstStyle/>
           <a:p>
             <a:r>
-              <a:rPr lang="en-US" dirty="0" smtClean="0"/>
+              <a:rPr lang="en-US" dirty="0"/>
               <a:t>TeamSTARS "tsWxGTUI_PyVx" Toolkit prepared &amp; presented by Richard S. Gordon</a:t>
             </a:r>
           </a:p>
@@ -7708,30 +7461,24 @@
           <a:p>
             <a:pPr eaLnBrk="1" hangingPunct="1"/>
             <a:r>
-              <a:rPr lang="en-US" dirty="0" smtClean="0"/>
+              <a:rPr lang="en-US" dirty="0"/>
               <a:t>Professional Development Workstation System </a:t>
             </a:r>
             <a:r>
-              <a:rPr lang="en-US" sz="2000" dirty="0" smtClean="0"/>
+              <a:rPr lang="en-US" sz="2000" dirty="0"/>
               <a:t>(</a:t>
-            </a:r>
-            <a:r>
-              <a:rPr lang="en-US" sz="2000" dirty="0" smtClean="0">
-                <a:hlinkClick r:id="rId3" action="ppaction://hlinksldjump"/>
-              </a:rPr>
-              <a:t>Table </a:t>
             </a:r>
             <a:r>
               <a:rPr lang="en-US" sz="2000" dirty="0">
                 <a:hlinkClick r:id="rId3" action="ppaction://hlinksldjump"/>
               </a:rPr>
-              <a:t>of Contents</a:t>
-            </a:r>
-            <a:r>
-              <a:rPr lang="en-US" sz="2000" dirty="0" smtClean="0"/>
+              <a:t>Table of Contents</a:t>
+            </a:r>
+            <a:r>
+              <a:rPr lang="en-US" sz="2000" dirty="0"/>
               <a:t>)</a:t>
             </a:r>
-            <a:endParaRPr lang="en-US" sz="2400" dirty="0" smtClean="0"/>
+            <a:endParaRPr lang="en-US" sz="2400" dirty="0"/>
           </a:p>
         </p:txBody>
       </p:sp>
@@ -7756,7 +7503,7 @@
               </a:lnSpc>
             </a:pPr>
             <a:r>
-              <a:rPr lang="en-US" sz="1800" b="1" dirty="0" smtClean="0"/>
+              <a:rPr lang="en-US" sz="1800" b="1" dirty="0"/>
               <a:t>2013 Apple iMac Desktop Hardware </a:t>
             </a:r>
           </a:p>
@@ -7767,7 +7514,7 @@
               </a:lnSpc>
             </a:pPr>
             <a:r>
-              <a:rPr lang="en-US" sz="1600" dirty="0" smtClean="0"/>
+              <a:rPr lang="en-US" sz="1600" dirty="0"/>
               <a:t>3.5 GHz Intel Quad Core i7 processor</a:t>
             </a:r>
           </a:p>
@@ -7778,7 +7525,7 @@
               </a:lnSpc>
             </a:pPr>
             <a:r>
-              <a:rPr lang="en-US" sz="1600" dirty="0" smtClean="0"/>
+              <a:rPr lang="en-US" sz="1600" dirty="0"/>
               <a:t>16 GB RAM</a:t>
             </a:r>
           </a:p>
@@ -7789,7 +7536,7 @@
               </a:lnSpc>
             </a:pPr>
             <a:r>
-              <a:rPr lang="en-US" sz="1600" dirty="0" smtClean="0"/>
+              <a:rPr lang="en-US" sz="1600" dirty="0"/>
               <a:t>27” 2560x1440 pixel LCD display</a:t>
             </a:r>
           </a:p>
@@ -7800,7 +7547,7 @@
               </a:lnSpc>
             </a:pPr>
             <a:r>
-              <a:rPr lang="en-US" sz="1600" dirty="0" smtClean="0"/>
+              <a:rPr lang="en-US" sz="1600" dirty="0"/>
               <a:t>3 TB (7200 RPM) SATA 6 Gb/s internal hard drive with 128 GB Solid State Flash memory  </a:t>
             </a:r>
           </a:p>
@@ -7811,7 +7558,7 @@
               </a:lnSpc>
             </a:pPr>
             <a:r>
-              <a:rPr lang="en-US" sz="1600" dirty="0" smtClean="0"/>
+              <a:rPr lang="en-US" sz="1600" dirty="0"/>
               <a:t>Ethernet Network Adapter</a:t>
             </a:r>
           </a:p>
@@ -7822,14 +7569,14 @@
               </a:lnSpc>
             </a:pPr>
             <a:r>
-              <a:rPr lang="en-US" sz="1600" dirty="0" err="1" smtClean="0"/>
+              <a:rPr lang="en-US" sz="1600" dirty="0" err="1"/>
               <a:t>WiFi</a:t>
             </a:r>
             <a:r>
-              <a:rPr lang="en-US" sz="1600" dirty="0" smtClean="0"/>
+              <a:rPr lang="en-US" sz="1600" dirty="0"/>
               <a:t> Wireless Network Adapter</a:t>
             </a:r>
-            <a:endParaRPr lang="en-US" sz="1600" b="1" dirty="0" smtClean="0"/>
+            <a:endParaRPr lang="en-US" sz="1600" b="1" dirty="0"/>
           </a:p>
           <a:p>
             <a:pPr eaLnBrk="1" hangingPunct="1">
@@ -7838,7 +7585,7 @@
               </a:lnSpc>
             </a:pPr>
             <a:r>
-              <a:rPr lang="en-US" sz="1800" b="1" dirty="0" smtClean="0"/>
+              <a:rPr lang="en-US" sz="1800" b="1" dirty="0"/>
               <a:t>Development / Embedded Software</a:t>
             </a:r>
           </a:p>
@@ -7849,7 +7596,7 @@
               </a:lnSpc>
             </a:pPr>
             <a:r>
-              <a:rPr lang="en-US" sz="1600" dirty="0" smtClean="0"/>
+              <a:rPr lang="en-US" sz="1600" dirty="0"/>
               <a:t>MAC OS X 10.11 El Capitan</a:t>
             </a:r>
           </a:p>
@@ -7860,7 +7607,7 @@
               </a:lnSpc>
             </a:pPr>
             <a:r>
-              <a:rPr lang="en-US" sz="1600" dirty="0" smtClean="0"/>
+              <a:rPr lang="en-US" sz="1600" dirty="0"/>
               <a:t>Wing IDE 5</a:t>
             </a:r>
           </a:p>
@@ -7871,7 +7618,7 @@
               </a:lnSpc>
             </a:pPr>
             <a:r>
-              <a:rPr lang="en-US" sz="1600" dirty="0" smtClean="0"/>
+              <a:rPr lang="en-US" sz="1600" dirty="0"/>
               <a:t>LibreOffice</a:t>
             </a:r>
           </a:p>
@@ -7882,7 +7629,7 @@
               </a:lnSpc>
             </a:pPr>
             <a:r>
-              <a:rPr lang="en-US" sz="1600" dirty="0" smtClean="0"/>
+              <a:rPr lang="en-US" sz="1600" dirty="0"/>
               <a:t>Microsoft Office for Mac 2011</a:t>
             </a:r>
           </a:p>
@@ -7893,10 +7640,10 @@
               </a:lnSpc>
             </a:pPr>
             <a:r>
-              <a:rPr lang="en-US" sz="1600" dirty="0" err="1" smtClean="0"/>
+              <a:rPr lang="en-US" sz="1600" dirty="0" err="1"/>
               <a:t>Xemacs</a:t>
             </a:r>
-            <a:endParaRPr lang="en-US" sz="1600" dirty="0" smtClean="0"/>
+            <a:endParaRPr lang="en-US" sz="1600" dirty="0"/>
           </a:p>
           <a:p>
             <a:pPr lvl="1" eaLnBrk="1" hangingPunct="1">
@@ -7905,7 +7652,7 @@
               </a:lnSpc>
             </a:pPr>
             <a:r>
-              <a:rPr lang="en-US" sz="1600" dirty="0" smtClean="0"/>
+              <a:rPr lang="en-US" sz="1600" dirty="0"/>
               <a:t>Python 2x &amp; 3x</a:t>
             </a:r>
           </a:p>
@@ -7932,7 +7679,7 @@
               </a:lnSpc>
             </a:pPr>
             <a:r>
-              <a:rPr lang="en-US" sz="1800" b="1" dirty="0" smtClean="0"/>
+              <a:rPr lang="en-US" sz="1800" b="1" dirty="0"/>
               <a:t>Guest (non-optimized) Embedded Software</a:t>
             </a:r>
           </a:p>
@@ -7943,11 +7690,11 @@
               </a:lnSpc>
             </a:pPr>
             <a:r>
-              <a:rPr lang="en-US" sz="1600" b="1" dirty="0" smtClean="0"/>
+              <a:rPr lang="en-US" sz="1600" b="1" dirty="0"/>
               <a:t>Parallels Desktop</a:t>
             </a:r>
             <a:r>
-              <a:rPr lang="en-US" sz="1600" dirty="0" smtClean="0"/>
+              <a:rPr lang="en-US" sz="1600" dirty="0"/>
               <a:t> 11 Hypervisor for running Guest OS:</a:t>
             </a:r>
           </a:p>
@@ -7958,38 +7705,38 @@
               </a:lnSpc>
             </a:pPr>
             <a:r>
-              <a:rPr lang="en-US" sz="1400" dirty="0" smtClean="0"/>
+              <a:rPr lang="en-US" sz="1400" dirty="0"/>
               <a:t>Linux (Centos 7, </a:t>
             </a:r>
             <a:r>
-              <a:rPr lang="en-US" sz="1400" dirty="0" err="1" smtClean="0"/>
+              <a:rPr lang="en-US" sz="1400" dirty="0" err="1"/>
               <a:t>Debian</a:t>
             </a:r>
             <a:r>
-              <a:rPr lang="en-US" sz="1400" dirty="0" smtClean="0"/>
+              <a:rPr lang="en-US" sz="1400" dirty="0"/>
               <a:t> 8, Fedora 22, </a:t>
             </a:r>
             <a:r>
-              <a:rPr lang="en-US" sz="1400" dirty="0" err="1" smtClean="0"/>
+              <a:rPr lang="en-US" sz="1400" dirty="0" err="1"/>
               <a:t>OpenSuSE</a:t>
             </a:r>
             <a:r>
-              <a:rPr lang="en-US" sz="1400" dirty="0" smtClean="0"/>
+              <a:rPr lang="en-US" sz="1400" dirty="0"/>
               <a:t> 13.2, Scientific 7 &amp; Ubuntu 14.04 LTS &amp; 15.04) with Wing IDE 5, </a:t>
             </a:r>
             <a:r>
-              <a:rPr lang="en-US" sz="1400" dirty="0" err="1" smtClean="0"/>
+              <a:rPr lang="en-US" sz="1400" dirty="0" err="1"/>
               <a:t>LibraOffice</a:t>
             </a:r>
             <a:r>
-              <a:rPr lang="en-US" sz="1400" dirty="0" smtClean="0"/>
+              <a:rPr lang="en-US" sz="1400" dirty="0"/>
               <a:t> and </a:t>
             </a:r>
             <a:r>
-              <a:rPr lang="en-US" sz="1400" dirty="0" err="1" smtClean="0"/>
+              <a:rPr lang="en-US" sz="1400" dirty="0" err="1"/>
               <a:t>XEmacs</a:t>
             </a:r>
-            <a:endParaRPr lang="en-US" sz="1400" dirty="0" smtClean="0"/>
+            <a:endParaRPr lang="en-US" sz="1400" dirty="0"/>
           </a:p>
           <a:p>
             <a:pPr lvl="2" eaLnBrk="1" hangingPunct="1">
@@ -7998,14 +7745,14 @@
               </a:lnSpc>
             </a:pPr>
             <a:r>
-              <a:rPr lang="en-US" sz="1400" dirty="0" smtClean="0"/>
+              <a:rPr lang="en-US" sz="1400" dirty="0"/>
               <a:t>Microsoft Windows (XP, 7, 8, 8.1 &amp; 10) with Wing IDE 5, AuthorIt-5, Office 2002 &amp; </a:t>
             </a:r>
             <a:r>
-              <a:rPr lang="en-US" sz="1400" dirty="0" err="1" smtClean="0"/>
+              <a:rPr lang="en-US" sz="1400" dirty="0" err="1"/>
               <a:t>XEmacs</a:t>
             </a:r>
-            <a:endParaRPr lang="en-US" sz="1400" dirty="0" smtClean="0"/>
+            <a:endParaRPr lang="en-US" sz="1400" dirty="0"/>
           </a:p>
           <a:p>
             <a:pPr lvl="2" eaLnBrk="1" hangingPunct="1">
@@ -8014,38 +7761,38 @@
               </a:lnSpc>
             </a:pPr>
             <a:r>
-              <a:rPr lang="en-US" sz="1400" dirty="0" smtClean="0"/>
+              <a:rPr lang="en-US" sz="1400" dirty="0"/>
               <a:t>Unix (FreeBSD 11/PC-BSD 11, </a:t>
             </a:r>
             <a:r>
-              <a:rPr lang="en-US" sz="1400" dirty="0" err="1" smtClean="0"/>
+              <a:rPr lang="en-US" sz="1400" dirty="0" err="1"/>
               <a:t>OpenIndiana</a:t>
             </a:r>
             <a:r>
-              <a:rPr lang="en-US" sz="1400" dirty="0" smtClean="0"/>
+              <a:rPr lang="en-US" sz="1400" dirty="0"/>
               <a:t> 151a8 &amp; </a:t>
             </a:r>
             <a:r>
-              <a:rPr lang="en-US" sz="1400" dirty="0" err="1" smtClean="0"/>
+              <a:rPr lang="en-US" sz="1400" dirty="0" err="1"/>
               <a:t>OpenSolaris</a:t>
             </a:r>
             <a:r>
-              <a:rPr lang="en-US" sz="1400" dirty="0" smtClean="0"/>
+              <a:rPr lang="en-US" sz="1400" dirty="0"/>
               <a:t> 11) with </a:t>
             </a:r>
             <a:r>
-              <a:rPr lang="en-US" sz="1400" dirty="0" err="1" smtClean="0"/>
+              <a:rPr lang="en-US" sz="1400" dirty="0" err="1"/>
               <a:t>LibraOffice</a:t>
             </a:r>
             <a:r>
-              <a:rPr lang="en-US" sz="1400" dirty="0" smtClean="0"/>
+              <a:rPr lang="en-US" sz="1400" dirty="0"/>
               <a:t> and </a:t>
             </a:r>
             <a:r>
-              <a:rPr lang="en-US" sz="1400" dirty="0" err="1" smtClean="0"/>
+              <a:rPr lang="en-US" sz="1400" dirty="0" err="1"/>
               <a:t>Xemacs</a:t>
             </a:r>
-            <a:endParaRPr lang="en-US" sz="1400" dirty="0" smtClean="0"/>
+            <a:endParaRPr lang="en-US" sz="1400" dirty="0"/>
           </a:p>
           <a:p>
             <a:pPr lvl="1" eaLnBrk="1" hangingPunct="1">
@@ -8054,11 +7801,11 @@
               </a:lnSpc>
             </a:pPr>
             <a:r>
-              <a:rPr lang="en-US" sz="1600" b="1" dirty="0" smtClean="0"/>
+              <a:rPr lang="en-US" sz="1600" b="1" dirty="0"/>
               <a:t>VMware Fusion</a:t>
             </a:r>
             <a:r>
-              <a:rPr lang="en-US" sz="1600" dirty="0" smtClean="0"/>
+              <a:rPr lang="en-US" sz="1600" dirty="0"/>
               <a:t> 7 Hypervisor for running Guest OS:</a:t>
             </a:r>
           </a:p>
@@ -8069,15 +7816,15 @@
               </a:lnSpc>
             </a:pPr>
             <a:r>
-              <a:rPr lang="en-US" sz="1400" dirty="0" smtClean="0"/>
+              <a:rPr lang="en-US" sz="1400" dirty="0"/>
               <a:t>Linux (</a:t>
             </a:r>
             <a:r>
-              <a:rPr lang="en-US" sz="1400" dirty="0" err="1" smtClean="0"/>
+              <a:rPr lang="en-US" sz="1400" dirty="0" err="1"/>
               <a:t>OpenSuSE</a:t>
             </a:r>
             <a:r>
-              <a:rPr lang="en-US" sz="1400" dirty="0" smtClean="0"/>
+              <a:rPr lang="en-US" sz="1400" dirty="0"/>
               <a:t> 13.1)</a:t>
             </a:r>
           </a:p>
@@ -8088,7 +7835,7 @@
               </a:lnSpc>
             </a:pPr>
             <a:r>
-              <a:rPr lang="en-US" sz="1400" dirty="0" smtClean="0"/>
+              <a:rPr lang="en-US" sz="1400" dirty="0"/>
               <a:t>Microsoft Windows (2000)</a:t>
             </a:r>
           </a:p>
@@ -8104,13 +7851,6 @@
   <p:clrMapOvr>
     <a:masterClrMapping/>
   </p:clrMapOvr>
-  <p:timing>
-    <p:tnLst>
-      <p:par>
-        <p:cTn id="1" dur="indefinite" restart="never" nodeType="tmRoot"/>
-      </p:par>
-    </p:tnLst>
-  </p:timing>
 </p:sld>
 </file>
 
@@ -8147,23 +7887,11 @@
           <a:lstStyle/>
           <a:p>
             <a:r>
-              <a:rPr lang="en-US" dirty="0" smtClean="0"/>
-              <a:t>Screenshot Professional </a:t>
-            </a:r>
-            <a:r>
               <a:rPr lang="en-US" dirty="0"/>
-              <a:t>Development Workstation </a:t>
-            </a:r>
-            <a:r>
-              <a:rPr lang="en-US" dirty="0" smtClean="0"/>
-              <a:t>System</a:t>
-            </a:r>
-            <a:r>
-              <a:rPr lang="en-US" dirty="0" smtClean="0"/>
-              <a:t> </a:t>
-            </a:r>
-            <a:r>
-              <a:rPr lang="en-US" sz="1800" dirty="0" smtClean="0"/>
+              <a:t>Screenshot Professional Development Workstation System </a:t>
+            </a:r>
+            <a:r>
+              <a:rPr lang="en-US" sz="1800" dirty="0"/>
               <a:t>(</a:t>
             </a:r>
             <a:r>
@@ -8173,7 +7901,7 @@
               <a:t>Table of Contents</a:t>
             </a:r>
             <a:r>
-              <a:rPr lang="en-US" sz="1800" dirty="0" smtClean="0"/>
+              <a:rPr lang="en-US" sz="1800" dirty="0"/>
               <a:t>)</a:t>
             </a:r>
             <a:endParaRPr lang="en-US" sz="3200" dirty="0"/>
@@ -8228,7 +7956,7 @@
               <a:buNone/>
             </a:pPr>
             <a:r>
-              <a:rPr lang="en-US" sz="1000" b="1" dirty="0" smtClean="0">
+              <a:rPr lang="en-US" sz="1000" b="1" dirty="0">
                 <a:solidFill>
                   <a:schemeClr val="accent5">
                     <a:lumMod val="50000"/>
@@ -8238,7 +7966,7 @@
               <a:t>Compatibility/</a:t>
             </a:r>
             <a:r>
-              <a:rPr lang="en-US" sz="1000" b="1" i="1" u="sng" dirty="0" smtClean="0">
+              <a:rPr lang="en-US" sz="1000" b="1" i="1" u="sng" dirty="0">
                 <a:solidFill>
                   <a:srgbClr val="C00000"/>
                 </a:solidFill>
@@ -8246,7 +7974,7 @@
               <a:t>Incompatibility</a:t>
             </a:r>
             <a:r>
-              <a:rPr lang="en-US" sz="1000" b="1" dirty="0" smtClean="0">
+              <a:rPr lang="en-US" sz="1000" b="1" dirty="0">
                 <a:solidFill>
                   <a:schemeClr val="accent5">
                     <a:lumMod val="50000"/>
@@ -8256,19 +7984,19 @@
               <a:t> </a:t>
             </a:r>
             <a:r>
-              <a:rPr lang="en-US" sz="1000" b="1" dirty="0" smtClean="0"/>
+              <a:rPr lang="en-US" sz="1000" b="1" dirty="0"/>
               <a:t>with the “</a:t>
             </a:r>
             <a:r>
-              <a:rPr lang="en-US" sz="1000" b="1" dirty="0" err="1" smtClean="0"/>
+              <a:rPr lang="en-US" sz="1000" b="1" dirty="0" err="1"/>
               <a:t>tsWxGTUI_PyVx</a:t>
             </a:r>
             <a:r>
-              <a:rPr lang="en-US" sz="1000" b="1" dirty="0" smtClean="0"/>
+              <a:rPr lang="en-US" sz="1000" b="1" dirty="0"/>
               <a:t>” Toolkit requires</a:t>
             </a:r>
             <a:r>
-              <a:rPr lang="en-US" sz="1000" dirty="0" smtClean="0">
+              <a:rPr lang="en-US" sz="1000" dirty="0">
                 <a:solidFill>
                   <a:schemeClr val="accent5">
                     <a:lumMod val="50000"/>
@@ -8280,11 +8008,11 @@
           </a:p>
           <a:p>
             <a:r>
-              <a:rPr lang="en-US" sz="900" b="1" dirty="0" smtClean="0"/>
+              <a:rPr lang="en-US" sz="900" b="1" dirty="0"/>
               <a:t>Single or multi-core </a:t>
             </a:r>
             <a:r>
-              <a:rPr lang="en-US" sz="900" b="1" dirty="0" smtClean="0">
+              <a:rPr lang="en-US" sz="900" b="1" dirty="0">
                 <a:solidFill>
                   <a:srgbClr val="C00000"/>
                 </a:solidFill>
@@ -8292,7 +8020,7 @@
               <a:t>16-bit</a:t>
             </a:r>
             <a:r>
-              <a:rPr lang="en-US" sz="900" b="1" dirty="0" smtClean="0">
+              <a:rPr lang="en-US" sz="900" b="1" dirty="0">
                 <a:solidFill>
                   <a:schemeClr val="accent5">
                     <a:lumMod val="50000"/>
@@ -8304,11 +8032,11 @@
           </a:p>
           <a:p>
             <a:r>
-              <a:rPr lang="en-US" sz="900" b="1" dirty="0" smtClean="0"/>
+              <a:rPr lang="en-US" sz="900" b="1" dirty="0"/>
               <a:t>Multi-User, Multi-Process, Multi-Threaded Operating System </a:t>
             </a:r>
             <a:r>
-              <a:rPr lang="en-US" sz="900" b="1" dirty="0" smtClean="0">
+              <a:rPr lang="en-US" sz="900" b="1" dirty="0">
                 <a:solidFill>
                   <a:schemeClr val="accent5">
                     <a:lumMod val="50000"/>
@@ -8318,18 +8046,8 @@
               <a:t>Linux, Mac OS X, Microsoft Windows</a:t>
             </a:r>
             <a:r>
-              <a:rPr lang="en-US" sz="900" b="1" dirty="0" smtClean="0"/>
+              <a:rPr lang="en-US" sz="900" b="1" dirty="0"/>
               <a:t> </a:t>
-            </a:r>
-            <a:r>
-              <a:rPr lang="en-US" sz="900" b="1" dirty="0" smtClean="0">
-                <a:solidFill>
-                  <a:schemeClr val="accent5">
-                    <a:lumMod val="50000"/>
-                  </a:schemeClr>
-                </a:solidFill>
-              </a:rPr>
-              <a:t>(XP, or later, with </a:t>
             </a:r>
             <a:r>
               <a:rPr lang="en-US" sz="900" b="1" dirty="0">
@@ -8339,24 +8057,14 @@
                   </a:schemeClr>
                 </a:solidFill>
               </a:rPr>
-              <a:t>free Linux-like Cygwin plug-in </a:t>
-            </a:r>
-            <a:r>
-              <a:rPr lang="en-US" sz="900" b="1" dirty="0" smtClean="0">
-                <a:solidFill>
-                  <a:schemeClr val="accent5">
-                    <a:lumMod val="50000"/>
-                  </a:schemeClr>
-                </a:solidFill>
-              </a:rPr>
-              <a:t>from Red Hat),</a:t>
-            </a:r>
-            <a:r>
-              <a:rPr lang="en-US" sz="900" b="1" dirty="0" smtClean="0"/>
+              <a:t>(XP, or later, with free Linux-like Cygwin plug-in from Red Hat),</a:t>
+            </a:r>
+            <a:r>
+              <a:rPr lang="en-US" sz="900" b="1" dirty="0"/>
               <a:t> </a:t>
             </a:r>
             <a:r>
-              <a:rPr lang="en-US" sz="900" b="1" dirty="0" smtClean="0">
+              <a:rPr lang="en-US" sz="900" b="1" dirty="0">
                 <a:solidFill>
                   <a:schemeClr val="accent5">
                     <a:lumMod val="50000"/>
@@ -8366,7 +8074,7 @@
               <a:t>Unix or </a:t>
             </a:r>
             <a:r>
-              <a:rPr lang="en-US" sz="900" b="1" dirty="0" smtClean="0">
+              <a:rPr lang="en-US" sz="900" b="1" dirty="0">
                 <a:solidFill>
                   <a:srgbClr val="C00000"/>
                 </a:solidFill>
@@ -8376,11 +8084,11 @@
           </a:p>
           <a:p>
             <a:r>
-              <a:rPr lang="en-US" sz="900" b="1" i="1" dirty="0" smtClean="0"/>
+              <a:rPr lang="en-US" sz="900" b="1" i="1" dirty="0"/>
               <a:t>NOTE: The</a:t>
             </a:r>
             <a:r>
-              <a:rPr lang="en-US" sz="900" b="1" i="1" dirty="0" smtClean="0">
+              <a:rPr lang="en-US" sz="900" b="1" i="1" dirty="0">
                 <a:solidFill>
                   <a:srgbClr val="FF0000"/>
                 </a:solidFill>
@@ -8388,7 +8096,7 @@
               <a:t> </a:t>
             </a:r>
             <a:r>
-              <a:rPr lang="en-US" sz="900" b="1" i="1" dirty="0" smtClean="0">
+              <a:rPr lang="en-US" sz="900" b="1" i="1" dirty="0">
                 <a:solidFill>
                   <a:srgbClr val="FF0000"/>
                 </a:solidFill>
@@ -8397,11 +8105,11 @@
               <a:t>Sample Desktop </a:t>
             </a:r>
             <a:r>
-              <a:rPr lang="en-US" sz="900" b="1" i="1" dirty="0" smtClean="0"/>
+              <a:rPr lang="en-US" sz="900" b="1" i="1" dirty="0"/>
               <a:t>system can do more and do it faster than the </a:t>
             </a:r>
             <a:r>
-              <a:rPr lang="en-US" sz="900" b="1" i="1" dirty="0" smtClean="0">
+              <a:rPr lang="en-US" sz="900" b="1" i="1" dirty="0">
                 <a:solidFill>
                   <a:srgbClr val="FF0000"/>
                 </a:solidFill>
@@ -8410,7 +8118,7 @@
               <a:t>Sample Laptop </a:t>
             </a:r>
             <a:r>
-              <a:rPr lang="en-US" sz="900" b="1" i="1" dirty="0" smtClean="0"/>
+              <a:rPr lang="en-US" sz="900" b="1" i="1" dirty="0"/>
               <a:t>system. Intel-based Guest OS platforms substitute for their non-Intel  counterparts.</a:t>
             </a:r>
           </a:p>
@@ -8419,50 +8127,37 @@
               <a:buNone/>
             </a:pPr>
             <a:r>
-              <a:rPr lang="en-US" sz="1050" b="1" dirty="0" smtClean="0"/>
+              <a:rPr lang="en-US" sz="1050" b="1" dirty="0"/>
               <a:t>Hypervisor #1</a:t>
             </a:r>
             <a:r>
-              <a:rPr lang="en-US" sz="1050" dirty="0" smtClean="0"/>
+              <a:rPr lang="en-US" sz="1050" dirty="0"/>
               <a:t> on Mac OS X Yosemite with Intel Quad Core i7 64-bit (</a:t>
             </a:r>
             <a:r>
-              <a:rPr lang="en-US" sz="1050" b="1" dirty="0" smtClean="0"/>
+              <a:rPr lang="en-US" sz="1050" b="1" dirty="0"/>
               <a:t>Parallels</a:t>
             </a:r>
             <a:r>
-              <a:rPr lang="en-US" sz="1050" dirty="0" smtClean="0"/>
-              <a:t> 11 Guest OS list in </a:t>
-            </a:r>
-            <a:r>
               <a:rPr lang="en-US" sz="1050" dirty="0"/>
-              <a:t>bottom left black </a:t>
-            </a:r>
-            <a:r>
-              <a:rPr lang="en-US" sz="1050" dirty="0" smtClean="0"/>
-              <a:t>window)</a:t>
-            </a:r>
-            <a:endParaRPr lang="en-US" sz="1100" dirty="0" smtClean="0"/>
-          </a:p>
-          <a:p>
-            <a:r>
-              <a:rPr lang="en-US" sz="900" b="1" dirty="0" smtClean="0">
+              <a:t> 11 Guest OS list in bottom left black window)</a:t>
+            </a:r>
+            <a:endParaRPr lang="en-US" sz="1100" dirty="0"/>
+          </a:p>
+          <a:p>
+            <a:r>
+              <a:rPr lang="en-US" sz="900" b="1" dirty="0">
                 <a:solidFill>
                   <a:srgbClr val="0070C0"/>
                 </a:solidFill>
               </a:rPr>
               <a:t>Shown Running</a:t>
             </a:r>
-            <a:endParaRPr lang="en-US" sz="900" b="1" dirty="0">
-              <a:solidFill>
-                <a:srgbClr val="0070C0"/>
-              </a:solidFill>
-            </a:endParaRPr>
           </a:p>
           <a:p>
             <a:pPr lvl="1"/>
             <a:r>
-              <a:rPr lang="en-US" sz="800" b="1" dirty="0" smtClean="0">
+              <a:rPr lang="en-US" sz="800" b="1" dirty="0">
                 <a:solidFill>
                   <a:schemeClr val="accent5">
                     <a:lumMod val="50000"/>
@@ -8472,11 +8167,11 @@
               <a:t>64-bit </a:t>
             </a:r>
             <a:r>
-              <a:rPr lang="en-US" sz="800" dirty="0" smtClean="0"/>
+              <a:rPr lang="en-US" sz="800" dirty="0"/>
               <a:t>(</a:t>
             </a:r>
             <a:r>
-              <a:rPr lang="en-US" sz="800" b="1" dirty="0" err="1" smtClean="0">
+              <a:rPr lang="en-US" sz="800" b="1" dirty="0" err="1">
                 <a:solidFill>
                   <a:schemeClr val="accent5">
                     <a:lumMod val="50000"/>
@@ -8486,7 +8181,7 @@
               <a:t>Debian</a:t>
             </a:r>
             <a:r>
-              <a:rPr lang="en-US" sz="800" b="1" dirty="0" smtClean="0">
+              <a:rPr lang="en-US" sz="800" b="1" dirty="0">
                 <a:solidFill>
                   <a:schemeClr val="accent5">
                     <a:lumMod val="50000"/>
@@ -8496,22 +8191,14 @@
               <a:t> Linux </a:t>
             </a:r>
             <a:r>
-              <a:rPr lang="en-US" sz="800" dirty="0" smtClean="0"/>
-              <a:t>7 running with </a:t>
-            </a:r>
-            <a:r>
               <a:rPr lang="en-US" sz="800" dirty="0"/>
-              <a:t>Bugzilla Database &amp; Apache Server </a:t>
-            </a:r>
-            <a:r>
-              <a:rPr lang="en-US" sz="800" dirty="0" smtClean="0"/>
-              <a:t>in dark blue window at top left)</a:t>
+              <a:t>7 running with Bugzilla Database &amp; Apache Server in dark blue window at top left)</a:t>
             </a:r>
           </a:p>
           <a:p>
             <a:pPr lvl="1"/>
             <a:r>
-              <a:rPr lang="en-US" sz="800" b="1" dirty="0" smtClean="0">
+              <a:rPr lang="en-US" sz="800" b="1" dirty="0">
                 <a:solidFill>
                   <a:schemeClr val="accent5">
                     <a:lumMod val="50000"/>
@@ -8521,11 +8208,11 @@
               <a:t>32-bit</a:t>
             </a:r>
             <a:r>
-              <a:rPr lang="en-US" sz="800" b="1" dirty="0" smtClean="0"/>
+              <a:rPr lang="en-US" sz="800" b="1" dirty="0"/>
               <a:t> (</a:t>
             </a:r>
             <a:r>
-              <a:rPr lang="en-US" sz="800" b="1" dirty="0" smtClean="0">
+              <a:rPr lang="en-US" sz="800" b="1" dirty="0">
                 <a:solidFill>
                   <a:schemeClr val="accent5">
                     <a:lumMod val="50000"/>
@@ -8535,7 +8222,7 @@
               <a:t>Microsoft Windows </a:t>
             </a:r>
             <a:r>
-              <a:rPr lang="en-US" sz="800" b="1" dirty="0" smtClean="0">
+              <a:rPr lang="en-US" sz="800" b="1" dirty="0">
                 <a:solidFill>
                   <a:srgbClr val="00B050"/>
                 </a:solidFill>
@@ -8543,21 +8230,13 @@
               <a:t>7</a:t>
             </a:r>
             <a:r>
-              <a:rPr lang="en-US" sz="800" dirty="0" smtClean="0"/>
-              <a:t> </a:t>
-            </a:r>
-            <a:r>
               <a:rPr lang="en-US" sz="800" dirty="0"/>
-              <a:t>running </a:t>
-            </a:r>
-            <a:r>
-              <a:rPr lang="en-US" sz="800" dirty="0" smtClean="0"/>
-              <a:t>in yellow window at top right</a:t>
-            </a:r>
-          </a:p>
-          <a:p>
-            <a:r>
-              <a:rPr lang="en-US" sz="900" b="1" dirty="0" smtClean="0">
+              <a:t> running in yellow window at top right</a:t>
+            </a:r>
+          </a:p>
+          <a:p>
+            <a:r>
+              <a:rPr lang="en-US" sz="900" b="1" dirty="0">
                 <a:solidFill>
                   <a:srgbClr val="0070C0"/>
                 </a:solidFill>
@@ -8568,7 +8247,7 @@
           <a:p>
             <a:pPr lvl="1"/>
             <a:r>
-              <a:rPr lang="en-US" sz="800" b="1" dirty="0" smtClean="0">
+              <a:rPr lang="en-US" sz="800" b="1" dirty="0">
                 <a:solidFill>
                   <a:schemeClr val="accent5">
                     <a:lumMod val="50000"/>
@@ -8578,7 +8257,7 @@
               <a:t>64-bit</a:t>
             </a:r>
             <a:r>
-              <a:rPr lang="en-US" sz="800" dirty="0" smtClean="0">
+              <a:rPr lang="en-US" sz="800" dirty="0">
                 <a:solidFill>
                   <a:schemeClr val="accent5">
                     <a:lumMod val="50000"/>
@@ -8588,18 +8267,8 @@
               <a:t> </a:t>
             </a:r>
             <a:r>
-              <a:rPr lang="en-US" sz="800" dirty="0" smtClean="0"/>
+              <a:rPr lang="en-US" sz="800" dirty="0"/>
               <a:t>(</a:t>
-            </a:r>
-            <a:r>
-              <a:rPr lang="en-US" sz="800" b="1" dirty="0" smtClean="0">
-                <a:solidFill>
-                  <a:schemeClr val="accent5">
-                    <a:lumMod val="50000"/>
-                  </a:schemeClr>
-                </a:solidFill>
-              </a:rPr>
-              <a:t>CentOS 7 </a:t>
             </a:r>
             <a:r>
               <a:rPr lang="en-US" sz="800" b="1" dirty="0">
@@ -8609,20 +8278,10 @@
                   </a:schemeClr>
                 </a:solidFill>
               </a:rPr>
-              <a:t>Linux, Fedora </a:t>
-            </a:r>
-            <a:r>
-              <a:rPr lang="en-US" sz="800" b="1" dirty="0" smtClean="0">
-                <a:solidFill>
-                  <a:schemeClr val="accent5">
-                    <a:lumMod val="50000"/>
-                  </a:schemeClr>
-                </a:solidFill>
-              </a:rPr>
-              <a:t>22 Linux, Microsoft Windows 10</a:t>
-            </a:r>
-            <a:r>
-              <a:rPr lang="en-US" sz="800" dirty="0" smtClean="0">
+              <a:t>CentOS 7 Linux, Fedora 22 Linux, Microsoft Windows 10</a:t>
+            </a:r>
+            <a:r>
+              <a:rPr lang="en-US" sz="800" dirty="0">
                 <a:solidFill>
                   <a:schemeClr val="accent5">
                     <a:lumMod val="50000"/>
@@ -8632,16 +8291,6 @@
               <a:t>, </a:t>
             </a:r>
             <a:r>
-              <a:rPr lang="en-US" sz="800" b="1" dirty="0" smtClean="0">
-                <a:solidFill>
-                  <a:schemeClr val="accent5">
-                    <a:lumMod val="50000"/>
-                  </a:schemeClr>
-                </a:solidFill>
-              </a:rPr>
-              <a:t>PC-BSD </a:t>
-            </a:r>
-            <a:r>
               <a:rPr lang="en-US" sz="800" b="1" dirty="0">
                 <a:solidFill>
                   <a:schemeClr val="accent5">
@@ -8649,20 +8298,10 @@
                   </a:schemeClr>
                 </a:solidFill>
               </a:rPr>
-              <a:t>11 </a:t>
-            </a:r>
-            <a:r>
-              <a:rPr lang="en-US" sz="800" b="1" dirty="0" smtClean="0">
-                <a:solidFill>
-                  <a:schemeClr val="accent5">
-                    <a:lumMod val="50000"/>
-                  </a:schemeClr>
-                </a:solidFill>
-              </a:rPr>
-              <a:t>Unix</a:t>
-            </a:r>
-            <a:r>
-              <a:rPr lang="en-US" sz="800" dirty="0" smtClean="0">
+              <a:t>PC-BSD 11 Unix</a:t>
+            </a:r>
+            <a:r>
+              <a:rPr lang="en-US" sz="800" dirty="0">
                 <a:solidFill>
                   <a:schemeClr val="accent5">
                     <a:lumMod val="50000"/>
@@ -8672,16 +8311,6 @@
               <a:t>, </a:t>
             </a:r>
             <a:r>
-              <a:rPr lang="en-US" sz="800" b="1" dirty="0" smtClean="0">
-                <a:solidFill>
-                  <a:schemeClr val="accent5">
-                    <a:lumMod val="50000"/>
-                  </a:schemeClr>
-                </a:solidFill>
-              </a:rPr>
-              <a:t>Open Indiana/Solaris </a:t>
-            </a:r>
-            <a:r>
               <a:rPr lang="en-US" sz="800" b="1" dirty="0">
                 <a:solidFill>
                   <a:schemeClr val="accent5">
@@ -8689,20 +8318,10 @@
                   </a:schemeClr>
                 </a:solidFill>
               </a:rPr>
-              <a:t>11 </a:t>
-            </a:r>
-            <a:r>
-              <a:rPr lang="en-US" sz="800" b="1" dirty="0" smtClean="0">
-                <a:solidFill>
-                  <a:schemeClr val="accent5">
-                    <a:lumMod val="50000"/>
-                  </a:schemeClr>
-                </a:solidFill>
-              </a:rPr>
-              <a:t>Unix</a:t>
-            </a:r>
-            <a:r>
-              <a:rPr lang="en-US" sz="800" dirty="0" smtClean="0">
+              <a:t>Open Indiana/Solaris 11 Unix</a:t>
+            </a:r>
+            <a:r>
+              <a:rPr lang="en-US" sz="800" dirty="0">
                 <a:solidFill>
                   <a:schemeClr val="accent5">
                     <a:lumMod val="50000"/>
@@ -8712,16 +8331,6 @@
               <a:t>, </a:t>
             </a:r>
             <a:r>
-              <a:rPr lang="en-US" sz="800" b="1" dirty="0" smtClean="0">
-                <a:solidFill>
-                  <a:schemeClr val="accent5">
-                    <a:lumMod val="50000"/>
-                  </a:schemeClr>
-                </a:solidFill>
-              </a:rPr>
-              <a:t>Scientific 7 Linux, Ubuntu </a:t>
-            </a:r>
-            <a:r>
               <a:rPr lang="en-US" sz="800" b="1" dirty="0">
                 <a:solidFill>
                   <a:schemeClr val="accent5">
@@ -8729,27 +8338,17 @@
                   </a:schemeClr>
                 </a:solidFill>
               </a:rPr>
-              <a:t>14.04 </a:t>
-            </a:r>
-            <a:r>
-              <a:rPr lang="en-US" sz="800" b="1" dirty="0" smtClean="0">
-                <a:solidFill>
-                  <a:schemeClr val="accent5">
-                    <a:lumMod val="50000"/>
-                  </a:schemeClr>
-                </a:solidFill>
-              </a:rPr>
-              <a:t>Linux</a:t>
-            </a:r>
-            <a:r>
-              <a:rPr lang="en-US" sz="800" dirty="0" smtClean="0"/>
+              <a:t>Scientific 7 Linux, Ubuntu 14.04 Linux</a:t>
+            </a:r>
+            <a:r>
+              <a:rPr lang="en-US" sz="800" dirty="0"/>
               <a:t>)</a:t>
             </a:r>
           </a:p>
           <a:p>
             <a:pPr lvl="1"/>
             <a:r>
-              <a:rPr lang="en-US" sz="800" b="1" dirty="0" smtClean="0">
+              <a:rPr lang="en-US" sz="800" b="1" dirty="0">
                 <a:solidFill>
                   <a:schemeClr val="accent5">
                     <a:lumMod val="50000"/>
@@ -8759,11 +8358,11 @@
               <a:t>32-bit</a:t>
             </a:r>
             <a:r>
-              <a:rPr lang="en-US" sz="800" dirty="0" smtClean="0"/>
+              <a:rPr lang="en-US" sz="800" dirty="0"/>
               <a:t> (</a:t>
             </a:r>
             <a:r>
-              <a:rPr lang="en-US" sz="800" b="1" i="1" u="sng" dirty="0" err="1" smtClean="0">
+              <a:rPr lang="en-US" sz="800" b="1" i="1" u="sng" dirty="0" err="1">
                 <a:solidFill>
                   <a:srgbClr val="C00000"/>
                 </a:solidFill>
@@ -8771,35 +8370,19 @@
               <a:t>eComStation</a:t>
             </a:r>
             <a:r>
-              <a:rPr lang="en-US" sz="800" b="1" i="1" u="sng" dirty="0" smtClean="0">
-                <a:solidFill>
-                  <a:srgbClr val="C00000"/>
-                </a:solidFill>
-              </a:rPr>
-              <a:t> </a:t>
-            </a:r>
-            <a:r>
               <a:rPr lang="en-US" sz="800" b="1" i="1" u="sng" dirty="0">
                 <a:solidFill>
                   <a:srgbClr val="C00000"/>
                 </a:solidFill>
               </a:rPr>
-              <a:t>2.2 </a:t>
-            </a:r>
-            <a:r>
-              <a:rPr lang="en-US" sz="800" b="1" i="1" u="sng" dirty="0" smtClean="0">
-                <a:solidFill>
-                  <a:srgbClr val="C00000"/>
-                </a:solidFill>
-              </a:rPr>
-              <a:t>Beta5 OS/2</a:t>
-            </a:r>
-            <a:r>
-              <a:rPr lang="en-US" sz="800" dirty="0" smtClean="0"/>
+              <a:t> 2.2 Beta5 OS/2</a:t>
+            </a:r>
+            <a:r>
+              <a:rPr lang="en-US" sz="800" dirty="0"/>
               <a:t>, </a:t>
             </a:r>
             <a:r>
-              <a:rPr lang="en-US" sz="800" b="1" dirty="0" smtClean="0">
+              <a:rPr lang="en-US" sz="800" b="1" dirty="0">
                 <a:solidFill>
                   <a:schemeClr val="accent5">
                     <a:lumMod val="50000"/>
@@ -8809,7 +8392,7 @@
               <a:t>LXLE 14.02 Linux</a:t>
             </a:r>
             <a:r>
-              <a:rPr lang="en-US" sz="800" dirty="0" smtClean="0">
+              <a:rPr lang="en-US" sz="800" dirty="0">
                 <a:solidFill>
                   <a:schemeClr val="accent5">
                     <a:lumMod val="50000"/>
@@ -8819,16 +8402,6 @@
               <a:t>, </a:t>
             </a:r>
             <a:r>
-              <a:rPr lang="en-US" sz="800" b="1" dirty="0" smtClean="0">
-                <a:solidFill>
-                  <a:schemeClr val="accent5">
-                    <a:lumMod val="50000"/>
-                  </a:schemeClr>
-                </a:solidFill>
-              </a:rPr>
-              <a:t>Microsoft Windows XP, 8, 8.1, </a:t>
-            </a:r>
-            <a:r>
               <a:rPr lang="en-US" sz="800" b="1" dirty="0">
                 <a:solidFill>
                   <a:schemeClr val="accent5">
@@ -8836,18 +8409,97 @@
                   </a:schemeClr>
                 </a:solidFill>
               </a:rPr>
-              <a:t>10, Ubuntu </a:t>
-            </a:r>
-            <a:r>
-              <a:rPr lang="en-US" sz="800" b="1" dirty="0" smtClean="0">
+              <a:t>Microsoft Windows XP, 8, 8.1, 10, Ubuntu 12.04 Linux</a:t>
+            </a:r>
+            <a:r>
+              <a:rPr lang="en-US" sz="800" dirty="0"/>
+              <a:t>)</a:t>
+            </a:r>
+          </a:p>
+          <a:p>
+            <a:pPr lvl="1"/>
+            <a:r>
+              <a:rPr lang="en-US" sz="800" b="1" u="sng" dirty="0">
                 <a:solidFill>
-                  <a:schemeClr val="accent5">
-                    <a:lumMod val="50000"/>
-                  </a:schemeClr>
+                  <a:srgbClr val="C00000"/>
                 </a:solidFill>
               </a:rPr>
-              <a:t>12.04 </a:t>
-            </a:r>
+              <a:t>16-bit</a:t>
+            </a:r>
+            <a:r>
+              <a:rPr lang="en-US" sz="800" b="1" i="1" dirty="0">
+                <a:solidFill>
+                  <a:srgbClr val="C00000"/>
+                </a:solidFill>
+              </a:rPr>
+              <a:t> </a:t>
+            </a:r>
+            <a:r>
+              <a:rPr lang="en-US" sz="800" b="1" i="1" dirty="0"/>
+              <a:t>(</a:t>
+            </a:r>
+            <a:r>
+              <a:rPr lang="en-US" sz="800" b="1" i="1" u="sng" dirty="0">
+                <a:solidFill>
+                  <a:srgbClr val="C00000"/>
+                </a:solidFill>
+              </a:rPr>
+              <a:t>Microsoft Windows 98</a:t>
+            </a:r>
+            <a:r>
+              <a:rPr lang="en-US" sz="800" b="1" i="1" dirty="0"/>
+              <a:t>) </a:t>
+            </a:r>
+            <a:r>
+              <a:rPr lang="en-US" sz="800" b="1" u="sng" dirty="0">
+                <a:solidFill>
+                  <a:schemeClr val="bg1"/>
+                </a:solidFill>
+              </a:rPr>
+              <a:t>98</a:t>
+            </a:r>
+            <a:r>
+              <a:rPr lang="en-US" sz="800" b="1" dirty="0">
+                <a:solidFill>
+                  <a:schemeClr val="bg1"/>
+                </a:solidFill>
+              </a:rPr>
+              <a:t>)</a:t>
+            </a:r>
+          </a:p>
+          <a:p>
+            <a:pPr marL="0" indent="0">
+              <a:buNone/>
+            </a:pPr>
+            <a:r>
+              <a:rPr lang="en-US" sz="1050" b="1" dirty="0"/>
+              <a:t>Hypervisor #2</a:t>
+            </a:r>
+            <a:r>
+              <a:rPr lang="en-US" sz="1050" dirty="0"/>
+              <a:t> on Mac OS X Yosemite with Intel Quad Core i7 64-bit (</a:t>
+            </a:r>
+            <a:r>
+              <a:rPr lang="en-US" sz="1050" b="1" dirty="0"/>
+              <a:t>VMware Fusion </a:t>
+            </a:r>
+            <a:r>
+              <a:rPr lang="en-US" sz="1050" dirty="0"/>
+              <a:t>7 Guest OS list in bottom center white window)</a:t>
+            </a:r>
+          </a:p>
+          <a:p>
+            <a:r>
+              <a:rPr lang="en-US" sz="900" b="1" dirty="0">
+                <a:solidFill>
+                  <a:srgbClr val="0070C0"/>
+                </a:solidFill>
+              </a:rPr>
+              <a:t>Shown Running</a:t>
+            </a:r>
+          </a:p>
+          <a:p>
+            <a:pPr lvl="1"/>
             <a:r>
               <a:rPr lang="en-US" sz="800" b="1" dirty="0">
                 <a:solidFill>
@@ -8856,140 +8508,15 @@
                   </a:schemeClr>
                 </a:solidFill>
               </a:rPr>
-              <a:t>Linux</a:t>
-            </a:r>
-            <a:r>
-              <a:rPr lang="en-US" sz="800" dirty="0" smtClean="0"/>
-              <a:t>)</a:t>
-            </a:r>
-          </a:p>
-          <a:p>
-            <a:pPr lvl="1"/>
-            <a:r>
-              <a:rPr lang="en-US" sz="800" b="1" u="sng" dirty="0" smtClean="0">
-                <a:solidFill>
-                  <a:srgbClr val="C00000"/>
-                </a:solidFill>
-              </a:rPr>
-              <a:t>16-bit</a:t>
-            </a:r>
-            <a:r>
-              <a:rPr lang="en-US" sz="800" b="1" i="1" dirty="0" smtClean="0">
-                <a:solidFill>
-                  <a:srgbClr val="C00000"/>
-                </a:solidFill>
-              </a:rPr>
+              <a:t>64-bit</a:t>
+            </a:r>
+            <a:r>
+              <a:rPr lang="en-US" sz="800" b="1" dirty="0"/>
               <a:t> </a:t>
             </a:r>
             <a:r>
-              <a:rPr lang="en-US" sz="800" b="1" i="1" dirty="0"/>
+              <a:rPr lang="en-US" sz="800" dirty="0"/>
               <a:t>(</a:t>
-            </a:r>
-            <a:r>
-              <a:rPr lang="en-US" sz="800" b="1" i="1" u="sng" dirty="0">
-                <a:solidFill>
-                  <a:srgbClr val="C00000"/>
-                </a:solidFill>
-              </a:rPr>
-              <a:t>Microsoft </a:t>
-            </a:r>
-            <a:r>
-              <a:rPr lang="en-US" sz="800" b="1" i="1" u="sng" dirty="0" smtClean="0">
-                <a:solidFill>
-                  <a:srgbClr val="C00000"/>
-                </a:solidFill>
-              </a:rPr>
-              <a:t>Windows 98</a:t>
-            </a:r>
-            <a:r>
-              <a:rPr lang="en-US" sz="800" b="1" i="1" dirty="0" smtClean="0"/>
-              <a:t>) </a:t>
-            </a:r>
-            <a:r>
-              <a:rPr lang="en-US" sz="800" b="1" u="sng" dirty="0">
-                <a:solidFill>
-                  <a:schemeClr val="bg1"/>
-                </a:solidFill>
-              </a:rPr>
-              <a:t>98</a:t>
-            </a:r>
-            <a:r>
-              <a:rPr lang="en-US" sz="800" b="1" dirty="0" smtClean="0">
-                <a:solidFill>
-                  <a:schemeClr val="bg1"/>
-                </a:solidFill>
-              </a:rPr>
-              <a:t>)</a:t>
-            </a:r>
-          </a:p>
-          <a:p>
-            <a:pPr marL="0" indent="0">
-              <a:buNone/>
-            </a:pPr>
-            <a:r>
-              <a:rPr lang="en-US" sz="1050" b="1" dirty="0" smtClean="0"/>
-              <a:t>Hypervisor #</a:t>
-            </a:r>
-            <a:r>
-              <a:rPr lang="en-US" sz="1050" b="1" dirty="0"/>
-              <a:t>2</a:t>
-            </a:r>
-            <a:r>
-              <a:rPr lang="en-US" sz="1050" dirty="0"/>
-              <a:t> on Mac OS X Yosemite with Intel Quad Core </a:t>
-            </a:r>
-            <a:r>
-              <a:rPr lang="en-US" sz="1050" dirty="0" smtClean="0"/>
-              <a:t>i7 64-bit (</a:t>
-            </a:r>
-            <a:r>
-              <a:rPr lang="en-US" sz="1050" b="1" dirty="0" smtClean="0"/>
-              <a:t>VMware Fusion </a:t>
-            </a:r>
-            <a:r>
-              <a:rPr lang="en-US" sz="1050" dirty="0" smtClean="0"/>
-              <a:t>7 Guest OS list in bottom center white window)</a:t>
-            </a:r>
-          </a:p>
-          <a:p>
-            <a:r>
-              <a:rPr lang="en-US" sz="900" b="1" dirty="0">
-                <a:solidFill>
-                  <a:srgbClr val="0070C0"/>
-                </a:solidFill>
-              </a:rPr>
-              <a:t>Shown Running</a:t>
-            </a:r>
-          </a:p>
-          <a:p>
-            <a:pPr lvl="1"/>
-            <a:r>
-              <a:rPr lang="en-US" sz="800" b="1" dirty="0" smtClean="0">
-                <a:solidFill>
-                  <a:schemeClr val="accent5">
-                    <a:lumMod val="50000"/>
-                  </a:schemeClr>
-                </a:solidFill>
-              </a:rPr>
-              <a:t>64-bit</a:t>
-            </a:r>
-            <a:r>
-              <a:rPr lang="en-US" sz="800" b="1" dirty="0" smtClean="0"/>
-              <a:t> </a:t>
-            </a:r>
-            <a:r>
-              <a:rPr lang="en-US" sz="800" dirty="0" smtClean="0"/>
-              <a:t>(</a:t>
-            </a:r>
-            <a:r>
-              <a:rPr lang="en-US" sz="800" b="1" dirty="0" smtClean="0">
-                <a:solidFill>
-                  <a:schemeClr val="accent5">
-                    <a:lumMod val="50000"/>
-                  </a:schemeClr>
-                </a:solidFill>
-              </a:rPr>
-              <a:t>Open SUSE 13.2 </a:t>
             </a:r>
             <a:r>
               <a:rPr lang="en-US" sz="800" b="1" dirty="0">
@@ -8999,10 +8526,10 @@
                   </a:schemeClr>
                 </a:solidFill>
               </a:rPr>
-              <a:t>Linux </a:t>
-            </a:r>
-            <a:r>
-              <a:rPr lang="en-US" sz="800" dirty="0" smtClean="0"/>
+              <a:t>Open SUSE 13.2 Linux </a:t>
+            </a:r>
+            <a:r>
+              <a:rPr lang="en-US" sz="800" dirty="0"/>
               <a:t>running in black window at bottom right)</a:t>
             </a:r>
           </a:p>
@@ -9019,7 +8546,7 @@
           <a:p>
             <a:pPr lvl="1"/>
             <a:r>
-              <a:rPr lang="en-US" sz="800" b="1" dirty="0" smtClean="0">
+              <a:rPr lang="en-US" sz="800" b="1" dirty="0">
                 <a:solidFill>
                   <a:schemeClr val="accent5">
                     <a:lumMod val="50000"/>
@@ -9029,12 +8556,8 @@
               <a:t>32-bit</a:t>
             </a:r>
             <a:r>
-              <a:rPr lang="en-US" sz="800" dirty="0" smtClean="0"/>
-              <a:t> </a:t>
-            </a:r>
-            <a:r>
               <a:rPr lang="en-US" sz="800" dirty="0"/>
-              <a:t>(</a:t>
+              <a:t> (</a:t>
             </a:r>
             <a:r>
               <a:rPr lang="en-US" sz="800" b="1" i="1" u="sng" dirty="0">
@@ -9052,7 +8575,7 @@
           <a:p>
             <a:pPr lvl="1"/>
             <a:r>
-              <a:rPr lang="en-US" sz="800" b="1" u="sng" dirty="0" smtClean="0">
+              <a:rPr lang="en-US" sz="800" b="1" u="sng" dirty="0">
                 <a:solidFill>
                   <a:srgbClr val="C00000"/>
                 </a:solidFill>
@@ -9060,7 +8583,7 @@
               <a:t>16-bit</a:t>
             </a:r>
             <a:r>
-              <a:rPr lang="en-US" sz="800" u="sng" dirty="0" smtClean="0">
+              <a:rPr lang="en-US" sz="800" u="sng" dirty="0">
                 <a:solidFill>
                   <a:srgbClr val="C00000"/>
                 </a:solidFill>
@@ -9077,21 +8600,12 @@
                   <a:srgbClr val="C00000"/>
                 </a:solidFill>
               </a:rPr>
-              <a:t>Microsoft </a:t>
-            </a:r>
-            <a:r>
-              <a:rPr lang="en-US" sz="800" b="1" i="1" u="sng" dirty="0" smtClean="0">
-                <a:solidFill>
-                  <a:srgbClr val="C00000"/>
-                </a:solidFill>
-              </a:rPr>
-              <a:t>DOS 6.2 with Windows 3.1</a:t>
-            </a:r>
-            <a:r>
-              <a:rPr lang="en-US" sz="800" dirty="0" smtClean="0"/>
+              <a:t>Microsoft DOS 6.2 with Windows 3.1</a:t>
+            </a:r>
+            <a:r>
+              <a:rPr lang="en-US" sz="800" dirty="0"/>
               <a:t>)</a:t>
             </a:r>
-            <a:endParaRPr lang="en-US" sz="800" dirty="0"/>
           </a:p>
         </p:txBody>
       </p:sp>
@@ -9115,7 +8629,7 @@
             </a:pPr>
             <a:fld id="{65B11A62-63AA-4067-ACEB-AA6A42CE3A38}" type="datetime1">
               <a:rPr lang="en-US" smtClean="0"/>
-              <a:t>11/25/2015</a:t>
+              <a:t>12/23/2016</a:t>
             </a:fld>
             <a:endParaRPr lang="en-US"/>
           </a:p>
@@ -9140,10 +8654,9 @@
               <a:defRPr/>
             </a:pPr>
             <a:r>
-              <a:rPr lang="en-US" dirty="0" smtClean="0"/>
+              <a:rPr lang="en-US" dirty="0"/>
               <a:t>TeamSTARS "tsWxGTUI_PyVx" Toolkit prepared &amp; presented by Richard S. Gordon</a:t>
             </a:r>
-            <a:endParaRPr lang="en-US" dirty="0"/>
           </a:p>
         </p:txBody>
       </p:sp>
@@ -9181,13 +8694,6 @@
   <p:clrMapOvr>
     <a:masterClrMapping/>
   </p:clrMapOvr>
-  <p:timing>
-    <p:tnLst>
-      <p:par>
-        <p:cTn id="1" dur="indefinite" restart="never" nodeType="tmRoot"/>
-      </p:par>
-    </p:tnLst>
-  </p:timing>
 </p:sld>
 </file>
 
